--- a/텐서플로우 세미나.pptx
+++ b/텐서플로우 세미나.pptx
@@ -5,7 +5,7 @@
     <p:sldMasterId id="2147483648" r:id="rId1"/>
   </p:sldMasterIdLst>
   <p:notesMasterIdLst>
-    <p:notesMasterId r:id="rId43"/>
+    <p:notesMasterId r:id="rId47"/>
   </p:notesMasterIdLst>
   <p:sldIdLst>
     <p:sldId id="256" r:id="rId2"/>
@@ -47,20 +47,24 @@
     <p:sldId id="316" r:id="rId38"/>
     <p:sldId id="310" r:id="rId39"/>
     <p:sldId id="309" r:id="rId40"/>
-    <p:sldId id="318" r:id="rId41"/>
-    <p:sldId id="317" r:id="rId42"/>
+    <p:sldId id="319" r:id="rId41"/>
+    <p:sldId id="320" r:id="rId42"/>
+    <p:sldId id="321" r:id="rId43"/>
+    <p:sldId id="322" r:id="rId44"/>
+    <p:sldId id="318" r:id="rId45"/>
+    <p:sldId id="317" r:id="rId46"/>
   </p:sldIdLst>
   <p:sldSz cx="12192000" cy="6858000"/>
   <p:notesSz cx="6858000" cy="9144000"/>
   <p:embeddedFontLst>
     <p:embeddedFont>
-      <p:font typeface="맑은 고딕" panose="020B0503020000020004" pitchFamily="50" charset="-127"/>
-      <p:regular r:id="rId44"/>
-      <p:bold r:id="rId45"/>
+      <p:font typeface="HY목각파임B" panose="02030600000101010101" pitchFamily="18" charset="-127"/>
+      <p:regular r:id="rId48"/>
     </p:embeddedFont>
     <p:embeddedFont>
-      <p:font typeface="HY목각파임B" panose="02030600000101010101" pitchFamily="18" charset="-127"/>
-      <p:regular r:id="rId46"/>
+      <p:font typeface="맑은 고딕" panose="020B0503020000020004" pitchFamily="50" charset="-127"/>
+      <p:regular r:id="rId49"/>
+      <p:bold r:id="rId50"/>
     </p:embeddedFont>
   </p:embeddedFontLst>
   <p:defaultTextStyle>
@@ -248,7 +252,7 @@
           <a:p>
             <a:fld id="{F25272E3-EE98-4409-B7FB-3501D6EB4690}" type="datetimeFigureOut">
               <a:rPr lang="ko-KR" altLang="en-US" smtClean="0"/>
-              <a:t>2018-05-29</a:t>
+              <a:t>2018-06-03</a:t>
             </a:fld>
             <a:endParaRPr lang="ko-KR" altLang="en-US"/>
           </a:p>
@@ -672,7 +676,7 @@
           <a:p>
             <a:fld id="{A24C6A97-8AB0-433A-A6D4-349AC48F2225}" type="datetime1">
               <a:rPr lang="ko-KR" altLang="en-US" smtClean="0"/>
-              <a:t>2018-05-29</a:t>
+              <a:t>2018-06-03</a:t>
             </a:fld>
             <a:endParaRPr lang="ko-KR" altLang="en-US"/>
           </a:p>
@@ -826,7 +830,7 @@
           <a:p>
             <a:fld id="{A9AAC3BC-6C63-4006-B883-F57C68986950}" type="datetime1">
               <a:rPr lang="ko-KR" altLang="en-US" smtClean="0"/>
-              <a:t>2018-05-29</a:t>
+              <a:t>2018-06-03</a:t>
             </a:fld>
             <a:endParaRPr lang="ko-KR" altLang="en-US"/>
           </a:p>
@@ -1182,7 +1186,7 @@
           <a:p>
             <a:fld id="{D8AE7EE9-3105-49EF-81B1-17B742E7058A}" type="datetime1">
               <a:rPr lang="ko-KR" altLang="en-US" smtClean="0"/>
-              <a:t>2018-05-29</a:t>
+              <a:t>2018-06-03</a:t>
             </a:fld>
             <a:endParaRPr lang="ko-KR" altLang="en-US"/>
           </a:p>
@@ -8527,7 +8531,7 @@
         </p:nvSpPr>
         <p:spPr>
           <a:xfrm>
-            <a:off x="8151305" y="2292051"/>
+            <a:off x="8151305" y="2300183"/>
             <a:ext cx="2633843" cy="3967336"/>
           </a:xfrm>
           <a:prstGeom prst="rect">
@@ -8777,7 +8781,7 @@
         </p:nvSpPr>
         <p:spPr>
           <a:xfrm>
-            <a:off x="9143530" y="2508183"/>
+            <a:off x="9126066" y="2585939"/>
             <a:ext cx="697627" cy="400110"/>
           </a:xfrm>
           <a:prstGeom prst="rect">
@@ -8853,7 +8857,7 @@
         </p:nvSpPr>
         <p:spPr>
           <a:xfrm>
-            <a:off x="9143530" y="3123428"/>
+            <a:off x="9126066" y="3068265"/>
             <a:ext cx="697627" cy="400110"/>
           </a:xfrm>
           <a:prstGeom prst="rect">
@@ -8891,7 +8895,7 @@
         </p:nvSpPr>
         <p:spPr>
           <a:xfrm>
-            <a:off x="9163194" y="3753357"/>
+            <a:off x="9126066" y="3545138"/>
             <a:ext cx="697627" cy="400110"/>
           </a:xfrm>
           <a:prstGeom prst="rect">
@@ -8929,7 +8933,7 @@
         </p:nvSpPr>
         <p:spPr>
           <a:xfrm>
-            <a:off x="8878467" y="4383286"/>
+            <a:off x="8861000" y="4016631"/>
             <a:ext cx="1295547" cy="400110"/>
           </a:xfrm>
           <a:prstGeom prst="rect">
@@ -8967,7 +8971,7 @@
         </p:nvSpPr>
         <p:spPr>
           <a:xfrm>
-            <a:off x="8734195" y="5614773"/>
+            <a:off x="8716728" y="4945649"/>
             <a:ext cx="1584088" cy="400110"/>
           </a:xfrm>
           <a:prstGeom prst="rect">
@@ -9019,8 +9023,8 @@
         </p:nvSpPr>
         <p:spPr>
           <a:xfrm>
-            <a:off x="9006705" y="5013215"/>
-            <a:ext cx="1039067" cy="400110"/>
+            <a:off x="8391318" y="4481140"/>
+            <a:ext cx="2234907" cy="400110"/>
           </a:xfrm>
           <a:prstGeom prst="rect">
             <a:avLst/>
@@ -9038,7 +9042,7 @@
                 <a:latin typeface="HY목각파임B" panose="02030600000101010101" pitchFamily="18" charset="-127"/>
                 <a:ea typeface="HY목각파임B" panose="02030600000101010101" pitchFamily="18" charset="-127"/>
               </a:rPr>
-              <a:t>딥 러닝</a:t>
+              <a:t>딥 러닝 관련 함수</a:t>
             </a:r>
           </a:p>
         </p:txBody>
@@ -9316,6 +9320,51 @@
               <a:t>2</a:t>
             </a:fld>
             <a:endParaRPr lang="ko-KR" altLang="en-US"/>
+          </a:p>
+        </p:txBody>
+      </p:sp>
+      <p:sp>
+        <p:nvSpPr>
+          <p:cNvPr id="25" name="TextBox 24">
+            <a:extLst>
+              <a:ext uri="{FF2B5EF4-FFF2-40B4-BE49-F238E27FC236}">
+                <a16:creationId xmlns:a16="http://schemas.microsoft.com/office/drawing/2014/main" id="{100EB3FF-14B0-40C5-844A-4C1F36E413D1}"/>
+              </a:ext>
+            </a:extLst>
+          </p:cNvPr>
+          <p:cNvSpPr txBox="1"/>
+          <p:nvPr/>
+        </p:nvSpPr>
+        <p:spPr>
+          <a:xfrm>
+            <a:off x="8634957" y="5410158"/>
+            <a:ext cx="1680268" cy="400110"/>
+          </a:xfrm>
+          <a:prstGeom prst="rect">
+            <a:avLst/>
+          </a:prstGeom>
+          <a:noFill/>
+        </p:spPr>
+        <p:txBody>
+          <a:bodyPr wrap="none" rtlCol="0">
+            <a:spAutoFit/>
+          </a:bodyPr>
+          <a:lstStyle/>
+          <a:p>
+            <a:r>
+              <a:rPr lang="en-US" altLang="ko-KR" sz="2000">
+                <a:latin typeface="HY목각파임B" panose="02030600000101010101" pitchFamily="18" charset="-127"/>
+                <a:ea typeface="HY목각파임B" panose="02030600000101010101" pitchFamily="18" charset="-127"/>
+              </a:rPr>
+              <a:t>MNIST </a:t>
+            </a:r>
+            <a:r>
+              <a:rPr lang="ko-KR" altLang="en-US" sz="2000" dirty="0">
+                <a:latin typeface="HY목각파임B" panose="02030600000101010101" pitchFamily="18" charset="-127"/>
+                <a:ea typeface="HY목각파임B" panose="02030600000101010101" pitchFamily="18" charset="-127"/>
+              </a:rPr>
+              <a:t>예제</a:t>
+            </a:r>
           </a:p>
         </p:txBody>
       </p:sp>
@@ -20360,7 +20409,41 @@
                 <a:latin typeface="HY목각파임B" panose="02030600000101010101" pitchFamily="18" charset="-127"/>
                 <a:ea typeface="HY목각파임B" panose="02030600000101010101" pitchFamily="18" charset="-127"/>
               </a:rPr>
-              <a:t>기타</a:t>
+              <a:t>사용법 </a:t>
+            </a:r>
+            <a:r>
+              <a:rPr lang="en-US" altLang="ko-KR" dirty="0">
+                <a:solidFill>
+                  <a:srgbClr val="969696"/>
+                </a:solidFill>
+                <a:effectLst>
+                  <a:outerShdw blurRad="38100" dist="38100" dir="2700000" algn="tl">
+                    <a:srgbClr val="000000">
+                      <a:alpha val="43137"/>
+                    </a:srgbClr>
+                  </a:outerShdw>
+                </a:effectLst>
+                <a:latin typeface="HY목각파임B" panose="02030600000101010101" pitchFamily="18" charset="-127"/>
+                <a:ea typeface="HY목각파임B" panose="02030600000101010101" pitchFamily="18" charset="-127"/>
+              </a:rPr>
+              <a:t>– MNIST</a:t>
+            </a:r>
+            <a:r>
+              <a:rPr lang="ko-KR" altLang="en-US" dirty="0">
+                <a:solidFill>
+                  <a:srgbClr val="969696"/>
+                </a:solidFill>
+                <a:effectLst>
+                  <a:outerShdw blurRad="38100" dist="38100" dir="2700000" algn="tl">
+                    <a:srgbClr val="000000">
+                      <a:alpha val="43137"/>
+                    </a:srgbClr>
+                  </a:outerShdw>
+                </a:effectLst>
+                <a:latin typeface="HY목각파임B" panose="02030600000101010101" pitchFamily="18" charset="-127"/>
+                <a:ea typeface="HY목각파임B" panose="02030600000101010101" pitchFamily="18" charset="-127"/>
+              </a:rPr>
+              <a:t> 예제</a:t>
             </a:r>
           </a:p>
         </p:txBody>
@@ -20370,7 +20453,7 @@
           <p:cNvPr id="3" name="TextBox 2">
             <a:extLst>
               <a:ext uri="{FF2B5EF4-FFF2-40B4-BE49-F238E27FC236}">
-                <a16:creationId xmlns:a16="http://schemas.microsoft.com/office/drawing/2014/main" id="{2A593A95-7B6E-406A-8E3B-80F98D7F1744}"/>
+                <a16:creationId xmlns:a16="http://schemas.microsoft.com/office/drawing/2014/main" id="{927FF0F9-3BC7-4394-B18D-770F37DBF77F}"/>
               </a:ext>
             </a:extLst>
           </p:cNvPr>
@@ -20379,8 +20462,8 @@
         </p:nvSpPr>
         <p:spPr>
           <a:xfrm>
-            <a:off x="1392194" y="2351650"/>
-            <a:ext cx="7699544" cy="461665"/>
+            <a:off x="1787979" y="1218754"/>
+            <a:ext cx="10404021" cy="369332"/>
           </a:xfrm>
           <a:prstGeom prst="rect">
             <a:avLst/>
@@ -20388,256 +20471,27 @@
           <a:noFill/>
         </p:spPr>
         <p:txBody>
-          <a:bodyPr wrap="none" rtlCol="0">
+          <a:bodyPr wrap="square" rtlCol="0">
             <a:spAutoFit/>
           </a:bodyPr>
           <a:lstStyle/>
           <a:p>
             <a:r>
-              <a:rPr lang="ko-KR" altLang="en-US" sz="2400" dirty="0">
-                <a:latin typeface="HY목각파임B" panose="02030600000101010101" pitchFamily="18" charset="-127"/>
-                <a:ea typeface="HY목각파임B" panose="02030600000101010101" pitchFamily="18" charset="-127"/>
-              </a:rPr>
-              <a:t>서적 </a:t>
-            </a:r>
-            <a:r>
-              <a:rPr lang="en-US" altLang="ko-KR" sz="2400" dirty="0">
-                <a:latin typeface="HY목각파임B" panose="02030600000101010101" pitchFamily="18" charset="-127"/>
-                <a:ea typeface="HY목각파임B" panose="02030600000101010101" pitchFamily="18" charset="-127"/>
-              </a:rPr>
-              <a:t>- [</a:t>
-            </a:r>
-            <a:r>
-              <a:rPr lang="ko-KR" altLang="en-US" sz="2400" dirty="0" err="1">
-                <a:latin typeface="HY목각파임B" panose="02030600000101010101" pitchFamily="18" charset="-127"/>
-                <a:ea typeface="HY목각파임B" panose="02030600000101010101" pitchFamily="18" charset="-127"/>
-              </a:rPr>
-              <a:t>홍룡과학출판사</a:t>
-            </a:r>
-            <a:r>
-              <a:rPr lang="en-US" altLang="ko-KR" sz="2400" dirty="0">
-                <a:latin typeface="HY목각파임B" panose="02030600000101010101" pitchFamily="18" charset="-127"/>
-                <a:ea typeface="HY목각파임B" panose="02030600000101010101" pitchFamily="18" charset="-127"/>
-              </a:rPr>
-              <a:t>] </a:t>
-            </a:r>
-            <a:r>
-              <a:rPr lang="ko-KR" altLang="en-US" sz="2400" dirty="0" err="1">
-                <a:latin typeface="HY목각파임B" panose="02030600000101010101" pitchFamily="18" charset="-127"/>
-                <a:ea typeface="HY목각파임B" panose="02030600000101010101" pitchFamily="18" charset="-127"/>
-              </a:rPr>
-              <a:t>엣지있게</a:t>
-            </a:r>
-            <a:r>
-              <a:rPr lang="ko-KR" altLang="en-US" sz="2400" dirty="0">
-                <a:latin typeface="HY목각파임B" panose="02030600000101010101" pitchFamily="18" charset="-127"/>
-                <a:ea typeface="HY목각파임B" panose="02030600000101010101" pitchFamily="18" charset="-127"/>
-              </a:rPr>
-              <a:t> 설명한 </a:t>
-            </a:r>
-            <a:r>
-              <a:rPr lang="ko-KR" altLang="en-US" sz="2400" dirty="0" err="1">
-                <a:latin typeface="HY목각파임B" panose="02030600000101010101" pitchFamily="18" charset="-127"/>
-                <a:ea typeface="HY목각파임B" panose="02030600000101010101" pitchFamily="18" charset="-127"/>
-              </a:rPr>
-              <a:t>텐서플로우</a:t>
-            </a:r>
-            <a:endParaRPr lang="ko-KR" altLang="en-US" sz="2400" dirty="0">
-              <a:latin typeface="HY목각파임B" panose="02030600000101010101" pitchFamily="18" charset="-127"/>
-              <a:ea typeface="HY목각파임B" panose="02030600000101010101" pitchFamily="18" charset="-127"/>
-            </a:endParaRPr>
-          </a:p>
-        </p:txBody>
-      </p:sp>
-      <p:sp>
-        <p:nvSpPr>
-          <p:cNvPr id="4" name="TextBox 3">
-            <a:extLst>
-              <a:ext uri="{FF2B5EF4-FFF2-40B4-BE49-F238E27FC236}">
-                <a16:creationId xmlns:a16="http://schemas.microsoft.com/office/drawing/2014/main" id="{F77F78C1-95CE-4932-A496-D7ED74F31C27}"/>
-              </a:ext>
-            </a:extLst>
-          </p:cNvPr>
-          <p:cNvSpPr txBox="1"/>
-          <p:nvPr/>
-        </p:nvSpPr>
-        <p:spPr>
-          <a:xfrm>
-            <a:off x="1028152" y="1616093"/>
-            <a:ext cx="1518364" cy="461665"/>
-          </a:xfrm>
-          <a:prstGeom prst="rect">
-            <a:avLst/>
-          </a:prstGeom>
-          <a:noFill/>
-        </p:spPr>
-        <p:txBody>
-          <a:bodyPr wrap="none" rtlCol="0">
-            <a:spAutoFit/>
-          </a:bodyPr>
-          <a:lstStyle/>
-          <a:p>
-            <a:r>
-              <a:rPr lang="ko-KR" altLang="en-US" sz="2400" dirty="0">
-                <a:latin typeface="HY목각파임B" panose="02030600000101010101" pitchFamily="18" charset="-127"/>
-                <a:ea typeface="HY목각파임B" panose="02030600000101010101" pitchFamily="18" charset="-127"/>
-              </a:rPr>
-              <a:t>참고 자료</a:t>
-            </a:r>
-          </a:p>
-        </p:txBody>
-      </p:sp>
-      <p:sp>
-        <p:nvSpPr>
-          <p:cNvPr id="5" name="직사각형 4">
-            <a:extLst>
-              <a:ext uri="{FF2B5EF4-FFF2-40B4-BE49-F238E27FC236}">
-                <a16:creationId xmlns:a16="http://schemas.microsoft.com/office/drawing/2014/main" id="{96448CF0-DFF7-4E9D-B1DC-7B2D78546038}"/>
-              </a:ext>
-            </a:extLst>
-          </p:cNvPr>
-          <p:cNvSpPr/>
-          <p:nvPr/>
-        </p:nvSpPr>
-        <p:spPr>
-          <a:xfrm>
-            <a:off x="1392194" y="3087207"/>
-            <a:ext cx="9482083" cy="461665"/>
-          </a:xfrm>
-          <a:prstGeom prst="rect">
-            <a:avLst/>
-          </a:prstGeom>
-        </p:spPr>
-        <p:txBody>
-          <a:bodyPr wrap="none">
-            <a:spAutoFit/>
-          </a:bodyPr>
-          <a:lstStyle/>
-          <a:p>
-            <a:r>
-              <a:rPr lang="en-US" altLang="ko-KR" sz="2400" dirty="0" err="1">
-                <a:latin typeface="HY목각파임B" panose="02030600000101010101" pitchFamily="18" charset="-127"/>
-                <a:ea typeface="HY목각파임B" panose="02030600000101010101" pitchFamily="18" charset="-127"/>
-              </a:rPr>
-              <a:t>TigerCow.Door</a:t>
-            </a:r>
-            <a:r>
-              <a:rPr lang="en-US" altLang="ko-KR" sz="2400" dirty="0">
-                <a:latin typeface="HY목각파임B" panose="02030600000101010101" pitchFamily="18" charset="-127"/>
-                <a:ea typeface="HY목각파임B" panose="02030600000101010101" pitchFamily="18" charset="-127"/>
-              </a:rPr>
-              <a:t> </a:t>
-            </a:r>
-            <a:r>
-              <a:rPr lang="ko-KR" altLang="en-US" sz="2400" dirty="0">
-                <a:latin typeface="HY목각파임B" panose="02030600000101010101" pitchFamily="18" charset="-127"/>
-                <a:ea typeface="HY목각파임B" panose="02030600000101010101" pitchFamily="18" charset="-127"/>
-              </a:rPr>
-              <a:t>블로그 </a:t>
-            </a:r>
-            <a:r>
-              <a:rPr lang="en-US" altLang="ko-KR" sz="2400" dirty="0">
-                <a:latin typeface="HY목각파임B" panose="02030600000101010101" pitchFamily="18" charset="-127"/>
-                <a:ea typeface="HY목각파임B" panose="02030600000101010101" pitchFamily="18" charset="-127"/>
-              </a:rPr>
-              <a:t>- </a:t>
-            </a:r>
-            <a:r>
-              <a:rPr lang="ko-KR" altLang="en-US" sz="2400" dirty="0">
-                <a:latin typeface="HY목각파임B" panose="02030600000101010101" pitchFamily="18" charset="-127"/>
-                <a:ea typeface="HY목각파임B" panose="02030600000101010101" pitchFamily="18" charset="-127"/>
-              </a:rPr>
-              <a:t>http://doorbw.tistory.com/</a:t>
-            </a:r>
-          </a:p>
-        </p:txBody>
-      </p:sp>
-      <p:sp>
-        <p:nvSpPr>
-          <p:cNvPr id="7" name="TextBox 6">
-            <a:extLst>
-              <a:ext uri="{FF2B5EF4-FFF2-40B4-BE49-F238E27FC236}">
-                <a16:creationId xmlns:a16="http://schemas.microsoft.com/office/drawing/2014/main" id="{C0DAB073-2780-4455-B7C3-2A7F911D5209}"/>
-              </a:ext>
-            </a:extLst>
-          </p:cNvPr>
-          <p:cNvSpPr txBox="1"/>
-          <p:nvPr/>
-        </p:nvSpPr>
-        <p:spPr>
-          <a:xfrm>
-            <a:off x="1028152" y="4044686"/>
-            <a:ext cx="800219" cy="461665"/>
-          </a:xfrm>
-          <a:prstGeom prst="rect">
-            <a:avLst/>
-          </a:prstGeom>
-          <a:noFill/>
-        </p:spPr>
-        <p:txBody>
-          <a:bodyPr wrap="none" rtlCol="0">
-            <a:spAutoFit/>
-          </a:bodyPr>
-          <a:lstStyle/>
-          <a:p>
-            <a:r>
-              <a:rPr lang="ko-KR" altLang="en-US" sz="2400" dirty="0">
-                <a:latin typeface="HY목각파임B" panose="02030600000101010101" pitchFamily="18" charset="-127"/>
-                <a:ea typeface="HY목각파임B" panose="02030600000101010101" pitchFamily="18" charset="-127"/>
-              </a:rPr>
-              <a:t>코드</a:t>
-            </a:r>
-          </a:p>
-        </p:txBody>
-      </p:sp>
-      <p:sp>
-        <p:nvSpPr>
-          <p:cNvPr id="8" name="TextBox 7">
-            <a:extLst>
-              <a:ext uri="{FF2B5EF4-FFF2-40B4-BE49-F238E27FC236}">
-                <a16:creationId xmlns:a16="http://schemas.microsoft.com/office/drawing/2014/main" id="{A12F8DF9-E070-4A1A-9EBB-05377114BA01}"/>
-              </a:ext>
-            </a:extLst>
-          </p:cNvPr>
-          <p:cNvSpPr txBox="1"/>
-          <p:nvPr/>
-        </p:nvSpPr>
-        <p:spPr>
-          <a:xfrm>
-            <a:off x="1428261" y="4780243"/>
-            <a:ext cx="8392041" cy="461665"/>
-          </a:xfrm>
-          <a:prstGeom prst="rect">
-            <a:avLst/>
-          </a:prstGeom>
-          <a:noFill/>
-        </p:spPr>
-        <p:txBody>
-          <a:bodyPr wrap="none" rtlCol="0">
-            <a:spAutoFit/>
-          </a:bodyPr>
-          <a:lstStyle/>
-          <a:p>
-            <a:r>
-              <a:rPr lang="en-US" altLang="ko-KR" sz="2400" dirty="0">
-                <a:latin typeface="HY목각파임B" panose="02030600000101010101" pitchFamily="18" charset="-127"/>
-                <a:ea typeface="HY목각파임B" panose="02030600000101010101" pitchFamily="18" charset="-127"/>
-              </a:rPr>
-              <a:t>https://github.com/L00G/TensorFlow-guide</a:t>
-            </a:r>
-            <a:endParaRPr lang="ko-KR" altLang="en-US" sz="2400" dirty="0">
-              <a:latin typeface="HY목각파임B" panose="02030600000101010101" pitchFamily="18" charset="-127"/>
-              <a:ea typeface="HY목각파임B" panose="02030600000101010101" pitchFamily="18" charset="-127"/>
-            </a:endParaRPr>
-          </a:p>
-        </p:txBody>
-      </p:sp>
-      <p:sp>
-        <p:nvSpPr>
-          <p:cNvPr id="9" name="슬라이드 번호 개체 틀 8">
-            <a:extLst>
-              <a:ext uri="{FF2B5EF4-FFF2-40B4-BE49-F238E27FC236}">
-                <a16:creationId xmlns:a16="http://schemas.microsoft.com/office/drawing/2014/main" id="{85217840-9C3F-4CC9-B921-4643420BBE86}"/>
+              <a:rPr lang="en-US" altLang="ko-KR" dirty="0">
+                <a:latin typeface="HY목각파임B" panose="02030600000101010101" pitchFamily="18" charset="-127"/>
+                <a:ea typeface="HY목각파임B" panose="02030600000101010101" pitchFamily="18" charset="-127"/>
+              </a:rPr>
+              <a:t>https://codeonweb.com/entry/f50e23df-0f23-4e56-95a6-efb9981716f7</a:t>
+            </a:r>
+          </a:p>
+        </p:txBody>
+      </p:sp>
+      <p:sp>
+        <p:nvSpPr>
+          <p:cNvPr id="7" name="슬라이드 번호 개체 틀 6">
+            <a:extLst>
+              <a:ext uri="{FF2B5EF4-FFF2-40B4-BE49-F238E27FC236}">
+                <a16:creationId xmlns:a16="http://schemas.microsoft.com/office/drawing/2014/main" id="{A2C31918-37C3-4DB1-AAC0-2A97D1156682}"/>
               </a:ext>
             </a:extLst>
           </p:cNvPr>
@@ -20661,10 +20515,217 @@
           </a:p>
         </p:txBody>
       </p:sp>
+      <p:sp>
+        <p:nvSpPr>
+          <p:cNvPr id="14" name="TextBox 13">
+            <a:extLst>
+              <a:ext uri="{FF2B5EF4-FFF2-40B4-BE49-F238E27FC236}">
+                <a16:creationId xmlns:a16="http://schemas.microsoft.com/office/drawing/2014/main" id="{47547204-17A9-4042-A968-F35F452ECBD2}"/>
+              </a:ext>
+            </a:extLst>
+          </p:cNvPr>
+          <p:cNvSpPr txBox="1"/>
+          <p:nvPr/>
+        </p:nvSpPr>
+        <p:spPr>
+          <a:xfrm>
+            <a:off x="624076" y="1950241"/>
+            <a:ext cx="1596912" cy="584775"/>
+          </a:xfrm>
+          <a:prstGeom prst="rect">
+            <a:avLst/>
+          </a:prstGeom>
+          <a:noFill/>
+        </p:spPr>
+        <p:txBody>
+          <a:bodyPr wrap="none" rtlCol="0">
+            <a:spAutoFit/>
+          </a:bodyPr>
+          <a:lstStyle/>
+          <a:p>
+            <a:r>
+              <a:rPr lang="en-US" altLang="ko-KR" sz="3200" b="1" dirty="0">
+                <a:latin typeface="HY목각파임B" panose="02030600000101010101" pitchFamily="18" charset="-127"/>
+                <a:ea typeface="HY목각파임B" panose="02030600000101010101" pitchFamily="18" charset="-127"/>
+              </a:rPr>
+              <a:t>MNIST</a:t>
+            </a:r>
+            <a:endParaRPr lang="ko-KR" altLang="en-US" sz="3200" b="1" dirty="0">
+              <a:latin typeface="HY목각파임B" panose="02030600000101010101" pitchFamily="18" charset="-127"/>
+              <a:ea typeface="HY목각파임B" panose="02030600000101010101" pitchFamily="18" charset="-127"/>
+            </a:endParaRPr>
+          </a:p>
+        </p:txBody>
+      </p:sp>
+      <p:sp>
+        <p:nvSpPr>
+          <p:cNvPr id="9" name="TextBox 8">
+            <a:extLst>
+              <a:ext uri="{FF2B5EF4-FFF2-40B4-BE49-F238E27FC236}">
+                <a16:creationId xmlns:a16="http://schemas.microsoft.com/office/drawing/2014/main" id="{21B137B3-AC03-4548-B30F-85E0CDCAF56D}"/>
+              </a:ext>
+            </a:extLst>
+          </p:cNvPr>
+          <p:cNvSpPr txBox="1"/>
+          <p:nvPr/>
+        </p:nvSpPr>
+        <p:spPr>
+          <a:xfrm>
+            <a:off x="1196966" y="2967335"/>
+            <a:ext cx="5109091" cy="461665"/>
+          </a:xfrm>
+          <a:prstGeom prst="rect">
+            <a:avLst/>
+          </a:prstGeom>
+          <a:noFill/>
+        </p:spPr>
+        <p:txBody>
+          <a:bodyPr wrap="none" rtlCol="0">
+            <a:spAutoFit/>
+          </a:bodyPr>
+          <a:lstStyle/>
+          <a:p>
+            <a:r>
+              <a:rPr lang="en-US" altLang="ko-KR" sz="2400" dirty="0">
+                <a:latin typeface="HY목각파임B" panose="02030600000101010101" pitchFamily="18" charset="-127"/>
+                <a:ea typeface="HY목각파임B" panose="02030600000101010101" pitchFamily="18" charset="-127"/>
+              </a:rPr>
+              <a:t>TensorFlow</a:t>
+            </a:r>
+            <a:r>
+              <a:rPr lang="ko-KR" altLang="en-US" sz="2400" dirty="0">
+                <a:latin typeface="HY목각파임B" panose="02030600000101010101" pitchFamily="18" charset="-127"/>
+                <a:ea typeface="HY목각파임B" panose="02030600000101010101" pitchFamily="18" charset="-127"/>
+              </a:rPr>
+              <a:t>가 </a:t>
+            </a:r>
+            <a:r>
+              <a:rPr lang="en-US" altLang="ko-KR" sz="2400" dirty="0">
+                <a:latin typeface="HY목각파임B" panose="02030600000101010101" pitchFamily="18" charset="-127"/>
+                <a:ea typeface="HY목각파임B" panose="02030600000101010101" pitchFamily="18" charset="-127"/>
+              </a:rPr>
+              <a:t>MNIST </a:t>
+            </a:r>
+            <a:r>
+              <a:rPr lang="ko-KR" altLang="en-US" sz="2400" dirty="0">
+                <a:latin typeface="HY목각파임B" panose="02030600000101010101" pitchFamily="18" charset="-127"/>
+                <a:ea typeface="HY목각파임B" panose="02030600000101010101" pitchFamily="18" charset="-127"/>
+              </a:rPr>
+              <a:t>소스제공</a:t>
+            </a:r>
+          </a:p>
+        </p:txBody>
+      </p:sp>
+      <p:sp>
+        <p:nvSpPr>
+          <p:cNvPr id="10" name="TextBox 9">
+            <a:extLst>
+              <a:ext uri="{FF2B5EF4-FFF2-40B4-BE49-F238E27FC236}">
+                <a16:creationId xmlns:a16="http://schemas.microsoft.com/office/drawing/2014/main" id="{144003C2-43BB-4F63-A27B-54A55EFDA980}"/>
+              </a:ext>
+            </a:extLst>
+          </p:cNvPr>
+          <p:cNvSpPr txBox="1"/>
+          <p:nvPr/>
+        </p:nvSpPr>
+        <p:spPr>
+          <a:xfrm>
+            <a:off x="1196966" y="3981489"/>
+            <a:ext cx="5019323" cy="461665"/>
+          </a:xfrm>
+          <a:prstGeom prst="rect">
+            <a:avLst/>
+          </a:prstGeom>
+          <a:noFill/>
+        </p:spPr>
+        <p:txBody>
+          <a:bodyPr wrap="none" rtlCol="0">
+            <a:spAutoFit/>
+          </a:bodyPr>
+          <a:lstStyle/>
+          <a:p>
+            <a:r>
+              <a:rPr lang="ko-KR" altLang="en-US" sz="2400" dirty="0">
+                <a:latin typeface="HY목각파임B" panose="02030600000101010101" pitchFamily="18" charset="-127"/>
+                <a:ea typeface="HY목각파임B" panose="02030600000101010101" pitchFamily="18" charset="-127"/>
+              </a:rPr>
+              <a:t>교육용 데이터</a:t>
+            </a:r>
+            <a:r>
+              <a:rPr lang="en-US" altLang="ko-KR" sz="2400" dirty="0">
+                <a:latin typeface="HY목각파임B" panose="02030600000101010101" pitchFamily="18" charset="-127"/>
+                <a:ea typeface="HY목각파임B" panose="02030600000101010101" pitchFamily="18" charset="-127"/>
+              </a:rPr>
+              <a:t>, </a:t>
+            </a:r>
+            <a:r>
+              <a:rPr lang="ko-KR" altLang="en-US" sz="2400" dirty="0">
+                <a:latin typeface="HY목각파임B" panose="02030600000101010101" pitchFamily="18" charset="-127"/>
+                <a:ea typeface="HY목각파임B" panose="02030600000101010101" pitchFamily="18" charset="-127"/>
+              </a:rPr>
+              <a:t>테스트 데이터 제공</a:t>
+            </a:r>
+            <a:endParaRPr lang="ko-KR" altLang="en-US" sz="2400" dirty="0"/>
+          </a:p>
+        </p:txBody>
+      </p:sp>
+      <p:sp>
+        <p:nvSpPr>
+          <p:cNvPr id="17" name="TextBox 16">
+            <a:extLst>
+              <a:ext uri="{FF2B5EF4-FFF2-40B4-BE49-F238E27FC236}">
+                <a16:creationId xmlns:a16="http://schemas.microsoft.com/office/drawing/2014/main" id="{CB1B069A-BC3B-4E4F-991C-48E9717B3C89}"/>
+              </a:ext>
+            </a:extLst>
+          </p:cNvPr>
+          <p:cNvSpPr txBox="1"/>
+          <p:nvPr/>
+        </p:nvSpPr>
+        <p:spPr>
+          <a:xfrm>
+            <a:off x="1196966" y="4995643"/>
+            <a:ext cx="9033242" cy="461665"/>
+          </a:xfrm>
+          <a:prstGeom prst="rect">
+            <a:avLst/>
+          </a:prstGeom>
+          <a:noFill/>
+        </p:spPr>
+        <p:txBody>
+          <a:bodyPr wrap="none" rtlCol="0">
+            <a:spAutoFit/>
+          </a:bodyPr>
+          <a:lstStyle/>
+          <a:p>
+            <a:r>
+              <a:rPr lang="en-US" altLang="ko-KR" sz="2400" dirty="0" err="1">
+                <a:latin typeface="HY목각파임B" panose="02030600000101010101" pitchFamily="18" charset="-127"/>
+                <a:ea typeface="HY목각파임B" panose="02030600000101010101" pitchFamily="18" charset="-127"/>
+              </a:rPr>
+              <a:t>CodeOnWeb</a:t>
+            </a:r>
+            <a:r>
+              <a:rPr lang="en-US" altLang="ko-KR" sz="2400" dirty="0">
+                <a:latin typeface="HY목각파임B" panose="02030600000101010101" pitchFamily="18" charset="-127"/>
+                <a:ea typeface="HY목각파임B" panose="02030600000101010101" pitchFamily="18" charset="-127"/>
+              </a:rPr>
+              <a:t> </a:t>
+            </a:r>
+            <a:r>
+              <a:rPr lang="ko-KR" altLang="en-US" sz="2400" dirty="0">
+                <a:latin typeface="HY목각파임B" panose="02030600000101010101" pitchFamily="18" charset="-127"/>
+                <a:ea typeface="HY목각파임B" panose="02030600000101010101" pitchFamily="18" charset="-127"/>
+              </a:rPr>
+              <a:t>에서 위의 소스에 대한 설명과 실행용 웹을 제공</a:t>
+            </a:r>
+            <a:endParaRPr lang="ko-KR" altLang="en-US" sz="2400" dirty="0"/>
+          </a:p>
+        </p:txBody>
+      </p:sp>
     </p:spTree>
     <p:extLst>
       <p:ext uri="{BB962C8B-B14F-4D97-AF65-F5344CB8AC3E}">
-        <p14:creationId xmlns:p14="http://schemas.microsoft.com/office/powerpoint/2010/main" val="390590763"/>
+        <p14:creationId xmlns:p14="http://schemas.microsoft.com/office/powerpoint/2010/main" val="3173507142"/>
       </p:ext>
     </p:extLst>
   </p:cSld>
@@ -20734,6 +20795,2537 @@
                 <a:latin typeface="HY목각파임B" panose="02030600000101010101" pitchFamily="18" charset="-127"/>
                 <a:ea typeface="HY목각파임B" panose="02030600000101010101" pitchFamily="18" charset="-127"/>
               </a:rPr>
+              <a:t>사용법 </a:t>
+            </a:r>
+            <a:r>
+              <a:rPr lang="en-US" altLang="ko-KR" dirty="0">
+                <a:solidFill>
+                  <a:srgbClr val="969696"/>
+                </a:solidFill>
+                <a:effectLst>
+                  <a:outerShdw blurRad="38100" dist="38100" dir="2700000" algn="tl">
+                    <a:srgbClr val="000000">
+                      <a:alpha val="43137"/>
+                    </a:srgbClr>
+                  </a:outerShdw>
+                </a:effectLst>
+                <a:latin typeface="HY목각파임B" panose="02030600000101010101" pitchFamily="18" charset="-127"/>
+                <a:ea typeface="HY목각파임B" panose="02030600000101010101" pitchFamily="18" charset="-127"/>
+              </a:rPr>
+              <a:t>– MNIST</a:t>
+            </a:r>
+            <a:r>
+              <a:rPr lang="ko-KR" altLang="en-US" dirty="0">
+                <a:solidFill>
+                  <a:srgbClr val="969696"/>
+                </a:solidFill>
+                <a:effectLst>
+                  <a:outerShdw blurRad="38100" dist="38100" dir="2700000" algn="tl">
+                    <a:srgbClr val="000000">
+                      <a:alpha val="43137"/>
+                    </a:srgbClr>
+                  </a:outerShdw>
+                </a:effectLst>
+                <a:latin typeface="HY목각파임B" panose="02030600000101010101" pitchFamily="18" charset="-127"/>
+                <a:ea typeface="HY목각파임B" panose="02030600000101010101" pitchFamily="18" charset="-127"/>
+              </a:rPr>
+              <a:t> 예제</a:t>
+            </a:r>
+          </a:p>
+        </p:txBody>
+      </p:sp>
+      <p:sp>
+        <p:nvSpPr>
+          <p:cNvPr id="3" name="TextBox 2">
+            <a:extLst>
+              <a:ext uri="{FF2B5EF4-FFF2-40B4-BE49-F238E27FC236}">
+                <a16:creationId xmlns:a16="http://schemas.microsoft.com/office/drawing/2014/main" id="{927FF0F9-3BC7-4394-B18D-770F37DBF77F}"/>
+              </a:ext>
+            </a:extLst>
+          </p:cNvPr>
+          <p:cNvSpPr txBox="1"/>
+          <p:nvPr/>
+        </p:nvSpPr>
+        <p:spPr>
+          <a:xfrm>
+            <a:off x="1787979" y="1218754"/>
+            <a:ext cx="10404021" cy="369332"/>
+          </a:xfrm>
+          <a:prstGeom prst="rect">
+            <a:avLst/>
+          </a:prstGeom>
+          <a:noFill/>
+        </p:spPr>
+        <p:txBody>
+          <a:bodyPr wrap="square" rtlCol="0">
+            <a:spAutoFit/>
+          </a:bodyPr>
+          <a:lstStyle/>
+          <a:p>
+            <a:r>
+              <a:rPr lang="en-US" altLang="ko-KR" dirty="0">
+                <a:latin typeface="HY목각파임B" panose="02030600000101010101" pitchFamily="18" charset="-127"/>
+                <a:ea typeface="HY목각파임B" panose="02030600000101010101" pitchFamily="18" charset="-127"/>
+              </a:rPr>
+              <a:t>https://codeonweb.com/entry/f50e23df-0f23-4e56-95a6-efb9981716f7</a:t>
+            </a:r>
+          </a:p>
+        </p:txBody>
+      </p:sp>
+      <p:sp>
+        <p:nvSpPr>
+          <p:cNvPr id="7" name="슬라이드 번호 개체 틀 6">
+            <a:extLst>
+              <a:ext uri="{FF2B5EF4-FFF2-40B4-BE49-F238E27FC236}">
+                <a16:creationId xmlns:a16="http://schemas.microsoft.com/office/drawing/2014/main" id="{A2C31918-37C3-4DB1-AAC0-2A97D1156682}"/>
+              </a:ext>
+            </a:extLst>
+          </p:cNvPr>
+          <p:cNvSpPr>
+            <a:spLocks noGrp="1"/>
+          </p:cNvSpPr>
+          <p:nvPr>
+            <p:ph type="sldNum" sz="quarter" idx="12"/>
+          </p:nvPr>
+        </p:nvSpPr>
+        <p:spPr>
+          <a:xfrm>
+            <a:off x="9448800" y="6356349"/>
+            <a:ext cx="2743200" cy="365125"/>
+          </a:xfrm>
+        </p:spPr>
+        <p:txBody>
+          <a:bodyPr/>
+          <a:lstStyle/>
+          <a:p>
+            <a:fld id="{89CD3222-79B6-443D-98D6-073E6FB9B4BF}" type="slidenum">
+              <a:rPr lang="ko-KR" altLang="en-US" smtClean="0"/>
+              <a:t>41</a:t>
+            </a:fld>
+            <a:endParaRPr lang="ko-KR" altLang="en-US"/>
+          </a:p>
+        </p:txBody>
+      </p:sp>
+      <p:sp>
+        <p:nvSpPr>
+          <p:cNvPr id="14" name="TextBox 13">
+            <a:extLst>
+              <a:ext uri="{FF2B5EF4-FFF2-40B4-BE49-F238E27FC236}">
+                <a16:creationId xmlns:a16="http://schemas.microsoft.com/office/drawing/2014/main" id="{47547204-17A9-4042-A968-F35F452ECBD2}"/>
+              </a:ext>
+            </a:extLst>
+          </p:cNvPr>
+          <p:cNvSpPr txBox="1"/>
+          <p:nvPr/>
+        </p:nvSpPr>
+        <p:spPr>
+          <a:xfrm>
+            <a:off x="429738" y="1706192"/>
+            <a:ext cx="3610284" cy="584775"/>
+          </a:xfrm>
+          <a:prstGeom prst="rect">
+            <a:avLst/>
+          </a:prstGeom>
+          <a:noFill/>
+        </p:spPr>
+        <p:txBody>
+          <a:bodyPr wrap="none" rtlCol="0">
+            <a:spAutoFit/>
+          </a:bodyPr>
+          <a:lstStyle/>
+          <a:p>
+            <a:r>
+              <a:rPr lang="en-US" altLang="ko-KR" sz="3200" b="1" dirty="0">
+                <a:latin typeface="HY목각파임B" panose="02030600000101010101" pitchFamily="18" charset="-127"/>
+                <a:ea typeface="HY목각파임B" panose="02030600000101010101" pitchFamily="18" charset="-127"/>
+              </a:rPr>
+              <a:t>MNIST </a:t>
+            </a:r>
+            <a:r>
+              <a:rPr lang="ko-KR" altLang="en-US" sz="3200" b="1" dirty="0">
+                <a:latin typeface="HY목각파임B" panose="02030600000101010101" pitchFamily="18" charset="-127"/>
+                <a:ea typeface="HY목각파임B" panose="02030600000101010101" pitchFamily="18" charset="-127"/>
+              </a:rPr>
+              <a:t> 초기 선언</a:t>
+            </a:r>
+          </a:p>
+        </p:txBody>
+      </p:sp>
+      <p:pic>
+        <p:nvPicPr>
+          <p:cNvPr id="4" name="그림 3">
+            <a:extLst>
+              <a:ext uri="{FF2B5EF4-FFF2-40B4-BE49-F238E27FC236}">
+                <a16:creationId xmlns:a16="http://schemas.microsoft.com/office/drawing/2014/main" id="{9712C65A-A547-4864-A113-33384E862D91}"/>
+              </a:ext>
+            </a:extLst>
+          </p:cNvPr>
+          <p:cNvPicPr>
+            <a:picLocks noChangeAspect="1"/>
+          </p:cNvPicPr>
+          <p:nvPr/>
+        </p:nvPicPr>
+        <p:blipFill>
+          <a:blip r:embed="rId2"/>
+          <a:stretch>
+            <a:fillRect/>
+          </a:stretch>
+        </p:blipFill>
+        <p:spPr>
+          <a:xfrm>
+            <a:off x="179619" y="2615632"/>
+            <a:ext cx="7720807" cy="3585595"/>
+          </a:xfrm>
+          <a:prstGeom prst="rect">
+            <a:avLst/>
+          </a:prstGeom>
+        </p:spPr>
+      </p:pic>
+      <p:sp>
+        <p:nvSpPr>
+          <p:cNvPr id="11" name="TextBox 10">
+            <a:extLst>
+              <a:ext uri="{FF2B5EF4-FFF2-40B4-BE49-F238E27FC236}">
+                <a16:creationId xmlns:a16="http://schemas.microsoft.com/office/drawing/2014/main" id="{57FA5D90-8C38-4ADA-9282-8C0FC580A130}"/>
+              </a:ext>
+            </a:extLst>
+          </p:cNvPr>
+          <p:cNvSpPr txBox="1"/>
+          <p:nvPr/>
+        </p:nvSpPr>
+        <p:spPr>
+          <a:xfrm>
+            <a:off x="8262719" y="2615632"/>
+            <a:ext cx="3929281" cy="830997"/>
+          </a:xfrm>
+          <a:prstGeom prst="rect">
+            <a:avLst/>
+          </a:prstGeom>
+          <a:noFill/>
+        </p:spPr>
+        <p:txBody>
+          <a:bodyPr wrap="none" rtlCol="0">
+            <a:spAutoFit/>
+          </a:bodyPr>
+          <a:lstStyle/>
+          <a:p>
+            <a:r>
+              <a:rPr lang="en-US" altLang="ko-KR" sz="2400" dirty="0">
+                <a:latin typeface="HY목각파임B" panose="02030600000101010101" pitchFamily="18" charset="-127"/>
+                <a:ea typeface="HY목각파임B" panose="02030600000101010101" pitchFamily="18" charset="-127"/>
+              </a:rPr>
+              <a:t>TensorFlow</a:t>
+            </a:r>
+            <a:r>
+              <a:rPr lang="ko-KR" altLang="en-US" sz="2400" dirty="0">
+                <a:latin typeface="HY목각파임B" panose="02030600000101010101" pitchFamily="18" charset="-127"/>
+                <a:ea typeface="HY목각파임B" panose="02030600000101010101" pitchFamily="18" charset="-127"/>
+              </a:rPr>
+              <a:t>가 제공하는</a:t>
+            </a:r>
+            <a:endParaRPr lang="en-US" altLang="ko-KR" sz="2400" dirty="0">
+              <a:latin typeface="HY목각파임B" panose="02030600000101010101" pitchFamily="18" charset="-127"/>
+              <a:ea typeface="HY목각파임B" panose="02030600000101010101" pitchFamily="18" charset="-127"/>
+            </a:endParaRPr>
+          </a:p>
+          <a:p>
+            <a:r>
+              <a:rPr lang="en-US" altLang="ko-KR" sz="2400" dirty="0">
+                <a:latin typeface="HY목각파임B" panose="02030600000101010101" pitchFamily="18" charset="-127"/>
+                <a:ea typeface="HY목각파임B" panose="02030600000101010101" pitchFamily="18" charset="-127"/>
+              </a:rPr>
+              <a:t>MNIST </a:t>
+            </a:r>
+            <a:r>
+              <a:rPr lang="ko-KR" altLang="en-US" sz="2400" dirty="0">
+                <a:latin typeface="HY목각파임B" panose="02030600000101010101" pitchFamily="18" charset="-127"/>
+                <a:ea typeface="HY목각파임B" panose="02030600000101010101" pitchFamily="18" charset="-127"/>
+              </a:rPr>
+              <a:t>데이터</a:t>
+            </a:r>
+          </a:p>
+        </p:txBody>
+      </p:sp>
+      <p:cxnSp>
+        <p:nvCxnSpPr>
+          <p:cNvPr id="12" name="직선 화살표 연결선 11">
+            <a:extLst>
+              <a:ext uri="{FF2B5EF4-FFF2-40B4-BE49-F238E27FC236}">
+                <a16:creationId xmlns:a16="http://schemas.microsoft.com/office/drawing/2014/main" id="{642AC24A-E6CD-4823-9E48-2040A74FB476}"/>
+              </a:ext>
+            </a:extLst>
+          </p:cNvPr>
+          <p:cNvCxnSpPr>
+            <a:cxnSpLocks/>
+          </p:cNvCxnSpPr>
+          <p:nvPr/>
+        </p:nvCxnSpPr>
+        <p:spPr>
+          <a:xfrm flipV="1">
+            <a:off x="7489417" y="2911021"/>
+            <a:ext cx="669472" cy="1"/>
+          </a:xfrm>
+          <a:prstGeom prst="straightConnector1">
+            <a:avLst/>
+          </a:prstGeom>
+          <a:ln w="44450">
+            <a:solidFill>
+              <a:srgbClr val="C00000">
+                <a:alpha val="64000"/>
+              </a:srgbClr>
+            </a:solidFill>
+            <a:headEnd type="none"/>
+            <a:tailEnd type="triangle" w="lg" len="lg"/>
+          </a:ln>
+        </p:spPr>
+        <p:style>
+          <a:lnRef idx="1">
+            <a:schemeClr val="accent1"/>
+          </a:lnRef>
+          <a:fillRef idx="0">
+            <a:schemeClr val="accent1"/>
+          </a:fillRef>
+          <a:effectRef idx="0">
+            <a:schemeClr val="accent1"/>
+          </a:effectRef>
+          <a:fontRef idx="minor">
+            <a:schemeClr val="tx1"/>
+          </a:fontRef>
+        </p:style>
+      </p:cxnSp>
+      <p:sp>
+        <p:nvSpPr>
+          <p:cNvPr id="18" name="TextBox 17">
+            <a:extLst>
+              <a:ext uri="{FF2B5EF4-FFF2-40B4-BE49-F238E27FC236}">
+                <a16:creationId xmlns:a16="http://schemas.microsoft.com/office/drawing/2014/main" id="{712534B7-3C7E-4D7A-B321-CD08922CB4C7}"/>
+              </a:ext>
+            </a:extLst>
+          </p:cNvPr>
+          <p:cNvSpPr txBox="1"/>
+          <p:nvPr/>
+        </p:nvSpPr>
+        <p:spPr>
+          <a:xfrm>
+            <a:off x="8158889" y="3946979"/>
+            <a:ext cx="3929281" cy="2215991"/>
+          </a:xfrm>
+          <a:prstGeom prst="rect">
+            <a:avLst/>
+          </a:prstGeom>
+          <a:noFill/>
+        </p:spPr>
+        <p:txBody>
+          <a:bodyPr wrap="square" rtlCol="0">
+            <a:spAutoFit/>
+          </a:bodyPr>
+          <a:lstStyle/>
+          <a:p>
+            <a:r>
+              <a:rPr lang="en-US" altLang="ko-KR" sz="2400" dirty="0">
+                <a:latin typeface="HY목각파임B" panose="02030600000101010101" pitchFamily="18" charset="-127"/>
+                <a:ea typeface="HY목각파임B" panose="02030600000101010101" pitchFamily="18" charset="-127"/>
+              </a:rPr>
+              <a:t>28*28</a:t>
+            </a:r>
+            <a:r>
+              <a:rPr lang="ko-KR" altLang="en-US" sz="2400" dirty="0">
+                <a:latin typeface="HY목각파임B" panose="02030600000101010101" pitchFamily="18" charset="-127"/>
+                <a:ea typeface="HY목각파임B" panose="02030600000101010101" pitchFamily="18" charset="-127"/>
+              </a:rPr>
+              <a:t>크기의 이미지를 </a:t>
+            </a:r>
+            <a:r>
+              <a:rPr lang="en-US" altLang="ko-KR" sz="2400" dirty="0">
+                <a:latin typeface="HY목각파임B" panose="02030600000101010101" pitchFamily="18" charset="-127"/>
+                <a:ea typeface="HY목각파임B" panose="02030600000101010101" pitchFamily="18" charset="-127"/>
+              </a:rPr>
+              <a:t>1</a:t>
+            </a:r>
+            <a:r>
+              <a:rPr lang="ko-KR" altLang="en-US" sz="2400" dirty="0">
+                <a:latin typeface="HY목각파임B" panose="02030600000101010101" pitchFamily="18" charset="-127"/>
+                <a:ea typeface="HY목각파임B" panose="02030600000101010101" pitchFamily="18" charset="-127"/>
+              </a:rPr>
+              <a:t>차원으로 입력할 공간</a:t>
+            </a:r>
+            <a:endParaRPr lang="en-US" altLang="ko-KR" sz="2400" dirty="0">
+              <a:latin typeface="HY목각파임B" panose="02030600000101010101" pitchFamily="18" charset="-127"/>
+              <a:ea typeface="HY목각파임B" panose="02030600000101010101" pitchFamily="18" charset="-127"/>
+            </a:endParaRPr>
+          </a:p>
+          <a:p>
+            <a:endParaRPr lang="en-US" altLang="ko-KR" sz="2400" dirty="0">
+              <a:latin typeface="HY목각파임B" panose="02030600000101010101" pitchFamily="18" charset="-127"/>
+              <a:ea typeface="HY목각파임B" panose="02030600000101010101" pitchFamily="18" charset="-127"/>
+            </a:endParaRPr>
+          </a:p>
+          <a:p>
+            <a:r>
+              <a:rPr lang="ko-KR" altLang="en-US" sz="2400" dirty="0">
+                <a:latin typeface="HY목각파임B" panose="02030600000101010101" pitchFamily="18" charset="-127"/>
+                <a:ea typeface="HY목각파임B" panose="02030600000101010101" pitchFamily="18" charset="-127"/>
+              </a:rPr>
+              <a:t>각 이미지별 정답 </a:t>
+            </a:r>
+            <a:endParaRPr lang="en-US" altLang="ko-KR" sz="2400" dirty="0">
+              <a:latin typeface="HY목각파임B" panose="02030600000101010101" pitchFamily="18" charset="-127"/>
+              <a:ea typeface="HY목각파임B" panose="02030600000101010101" pitchFamily="18" charset="-127"/>
+            </a:endParaRPr>
+          </a:p>
+          <a:p>
+            <a:r>
+              <a:rPr lang="en-US" altLang="ko-KR" sz="1600" dirty="0">
+                <a:latin typeface="HY목각파임B" panose="02030600000101010101" pitchFamily="18" charset="-127"/>
+                <a:ea typeface="HY목각파임B" panose="02030600000101010101" pitchFamily="18" charset="-127"/>
+              </a:rPr>
+              <a:t>(Ex 1-&gt;[1,0,..,0] </a:t>
+            </a:r>
+            <a:r>
+              <a:rPr lang="ko-KR" altLang="en-US" sz="1600" dirty="0">
+                <a:latin typeface="HY목각파임B" panose="02030600000101010101" pitchFamily="18" charset="-127"/>
+                <a:ea typeface="HY목각파임B" panose="02030600000101010101" pitchFamily="18" charset="-127"/>
+              </a:rPr>
+              <a:t>식으로 구분된 배열</a:t>
+            </a:r>
+            <a:r>
+              <a:rPr lang="en-US" altLang="ko-KR" sz="1600" dirty="0">
+                <a:latin typeface="HY목각파임B" panose="02030600000101010101" pitchFamily="18" charset="-127"/>
+                <a:ea typeface="HY목각파임B" panose="02030600000101010101" pitchFamily="18" charset="-127"/>
+              </a:rPr>
+              <a:t>)</a:t>
+            </a:r>
+            <a:r>
+              <a:rPr lang="ko-KR" altLang="en-US" sz="2400" dirty="0">
+                <a:latin typeface="HY목각파임B" panose="02030600000101010101" pitchFamily="18" charset="-127"/>
+                <a:ea typeface="HY목각파임B" panose="02030600000101010101" pitchFamily="18" charset="-127"/>
+              </a:rPr>
+              <a:t>을 입력할 공간</a:t>
+            </a:r>
+          </a:p>
+        </p:txBody>
+      </p:sp>
+      <p:cxnSp>
+        <p:nvCxnSpPr>
+          <p:cNvPr id="19" name="직선 화살표 연결선 18">
+            <a:extLst>
+              <a:ext uri="{FF2B5EF4-FFF2-40B4-BE49-F238E27FC236}">
+                <a16:creationId xmlns:a16="http://schemas.microsoft.com/office/drawing/2014/main" id="{D0EACEF7-F289-44D7-A9E4-98A5822822C5}"/>
+              </a:ext>
+            </a:extLst>
+          </p:cNvPr>
+          <p:cNvCxnSpPr>
+            <a:cxnSpLocks/>
+          </p:cNvCxnSpPr>
+          <p:nvPr/>
+        </p:nvCxnSpPr>
+        <p:spPr>
+          <a:xfrm>
+            <a:off x="5290457" y="4630948"/>
+            <a:ext cx="2764602" cy="0"/>
+          </a:xfrm>
+          <a:prstGeom prst="straightConnector1">
+            <a:avLst/>
+          </a:prstGeom>
+          <a:ln w="44450">
+            <a:solidFill>
+              <a:srgbClr val="C00000">
+                <a:alpha val="64000"/>
+              </a:srgbClr>
+            </a:solidFill>
+            <a:headEnd type="none"/>
+            <a:tailEnd type="triangle" w="lg" len="lg"/>
+          </a:ln>
+        </p:spPr>
+        <p:style>
+          <a:lnRef idx="1">
+            <a:schemeClr val="accent1"/>
+          </a:lnRef>
+          <a:fillRef idx="0">
+            <a:schemeClr val="accent1"/>
+          </a:fillRef>
+          <a:effectRef idx="0">
+            <a:schemeClr val="accent1"/>
+          </a:effectRef>
+          <a:fontRef idx="minor">
+            <a:schemeClr val="tx1"/>
+          </a:fontRef>
+        </p:style>
+      </p:cxnSp>
+      <p:sp>
+        <p:nvSpPr>
+          <p:cNvPr id="22" name="TextBox 21">
+            <a:extLst>
+              <a:ext uri="{FF2B5EF4-FFF2-40B4-BE49-F238E27FC236}">
+                <a16:creationId xmlns:a16="http://schemas.microsoft.com/office/drawing/2014/main" id="{60392A6A-CD38-4D2B-86FC-7AD22F6ED157}"/>
+              </a:ext>
+            </a:extLst>
+          </p:cNvPr>
+          <p:cNvSpPr txBox="1"/>
+          <p:nvPr/>
+        </p:nvSpPr>
+        <p:spPr>
+          <a:xfrm>
+            <a:off x="3720054" y="6265783"/>
+            <a:ext cx="3929281" cy="461665"/>
+          </a:xfrm>
+          <a:prstGeom prst="rect">
+            <a:avLst/>
+          </a:prstGeom>
+          <a:noFill/>
+        </p:spPr>
+        <p:txBody>
+          <a:bodyPr wrap="square" rtlCol="0">
+            <a:spAutoFit/>
+          </a:bodyPr>
+          <a:lstStyle/>
+          <a:p>
+            <a:r>
+              <a:rPr lang="ko-KR" altLang="en-US" sz="2400" dirty="0">
+                <a:latin typeface="HY목각파임B" panose="02030600000101010101" pitchFamily="18" charset="-127"/>
+                <a:ea typeface="HY목각파임B" panose="02030600000101010101" pitchFamily="18" charset="-127"/>
+              </a:rPr>
+              <a:t>훈련시켜야 하는 변수</a:t>
+            </a:r>
+          </a:p>
+        </p:txBody>
+      </p:sp>
+      <p:cxnSp>
+        <p:nvCxnSpPr>
+          <p:cNvPr id="23" name="직선 화살표 연결선 22">
+            <a:extLst>
+              <a:ext uri="{FF2B5EF4-FFF2-40B4-BE49-F238E27FC236}">
+                <a16:creationId xmlns:a16="http://schemas.microsoft.com/office/drawing/2014/main" id="{88DE0089-2AEF-4CED-8745-B246B16A8362}"/>
+              </a:ext>
+            </a:extLst>
+          </p:cNvPr>
+          <p:cNvCxnSpPr>
+            <a:cxnSpLocks/>
+          </p:cNvCxnSpPr>
+          <p:nvPr/>
+        </p:nvCxnSpPr>
+        <p:spPr>
+          <a:xfrm>
+            <a:off x="3469821" y="5429250"/>
+            <a:ext cx="1396093" cy="865609"/>
+          </a:xfrm>
+          <a:prstGeom prst="straightConnector1">
+            <a:avLst/>
+          </a:prstGeom>
+          <a:ln w="44450">
+            <a:solidFill>
+              <a:srgbClr val="C00000">
+                <a:alpha val="64000"/>
+              </a:srgbClr>
+            </a:solidFill>
+            <a:headEnd type="none"/>
+            <a:tailEnd type="triangle" w="lg" len="lg"/>
+          </a:ln>
+        </p:spPr>
+        <p:style>
+          <a:lnRef idx="1">
+            <a:schemeClr val="accent1"/>
+          </a:lnRef>
+          <a:fillRef idx="0">
+            <a:schemeClr val="accent1"/>
+          </a:fillRef>
+          <a:effectRef idx="0">
+            <a:schemeClr val="accent1"/>
+          </a:effectRef>
+          <a:fontRef idx="minor">
+            <a:schemeClr val="tx1"/>
+          </a:fontRef>
+        </p:style>
+      </p:cxnSp>
+    </p:spTree>
+    <p:extLst>
+      <p:ext uri="{BB962C8B-B14F-4D97-AF65-F5344CB8AC3E}">
+        <p14:creationId xmlns:p14="http://schemas.microsoft.com/office/powerpoint/2010/main" val="2021113037"/>
+      </p:ext>
+    </p:extLst>
+  </p:cSld>
+  <p:clrMapOvr>
+    <a:masterClrMapping/>
+  </p:clrMapOvr>
+</p:sld>
+</file>
+
+<file path=ppt/slides/slide42.xml><?xml version="1.0" encoding="utf-8"?>
+<p:sld xmlns:a="http://schemas.openxmlformats.org/drawingml/2006/main" xmlns:r="http://schemas.openxmlformats.org/officeDocument/2006/relationships" xmlns:p="http://schemas.openxmlformats.org/presentationml/2006/main">
+  <p:cSld>
+    <p:spTree>
+      <p:nvGrpSpPr>
+        <p:cNvPr id="1" name=""/>
+        <p:cNvGrpSpPr/>
+        <p:nvPr/>
+      </p:nvGrpSpPr>
+      <p:grpSpPr>
+        <a:xfrm>
+          <a:off x="0" y="0"/>
+          <a:ext cx="0" cy="0"/>
+          <a:chOff x="0" y="0"/>
+          <a:chExt cx="0" cy="0"/>
+        </a:xfrm>
+      </p:grpSpPr>
+      <p:pic>
+        <p:nvPicPr>
+          <p:cNvPr id="36" name="그림 35">
+            <a:extLst>
+              <a:ext uri="{FF2B5EF4-FFF2-40B4-BE49-F238E27FC236}">
+                <a16:creationId xmlns:a16="http://schemas.microsoft.com/office/drawing/2014/main" id="{6C274641-1805-42B2-B234-C4C316678954}"/>
+              </a:ext>
+            </a:extLst>
+          </p:cNvPr>
+          <p:cNvPicPr>
+            <a:picLocks noChangeAspect="1"/>
+          </p:cNvPicPr>
+          <p:nvPr/>
+        </p:nvPicPr>
+        <p:blipFill>
+          <a:blip r:embed="rId2"/>
+          <a:stretch>
+            <a:fillRect/>
+          </a:stretch>
+        </p:blipFill>
+        <p:spPr>
+          <a:xfrm>
+            <a:off x="1094013" y="2518828"/>
+            <a:ext cx="4848225" cy="4248677"/>
+          </a:xfrm>
+          <a:prstGeom prst="rect">
+            <a:avLst/>
+          </a:prstGeom>
+        </p:spPr>
+      </p:pic>
+      <p:sp>
+        <p:nvSpPr>
+          <p:cNvPr id="2" name="제목 1">
+            <a:extLst>
+              <a:ext uri="{FF2B5EF4-FFF2-40B4-BE49-F238E27FC236}">
+                <a16:creationId xmlns:a16="http://schemas.microsoft.com/office/drawing/2014/main" id="{D1991139-C033-4A4E-8EBD-E0E2E9C9FC21}"/>
+              </a:ext>
+            </a:extLst>
+          </p:cNvPr>
+          <p:cNvSpPr>
+            <a:spLocks noGrp="1"/>
+          </p:cNvSpPr>
+          <p:nvPr>
+            <p:ph type="title"/>
+          </p:nvPr>
+        </p:nvSpPr>
+        <p:spPr>
+          <a:xfrm>
+            <a:off x="177282" y="136526"/>
+            <a:ext cx="11784563" cy="815196"/>
+          </a:xfrm>
+        </p:spPr>
+        <p:txBody>
+          <a:bodyPr>
+            <a:normAutofit/>
+          </a:bodyPr>
+          <a:lstStyle/>
+          <a:p>
+            <a:r>
+              <a:rPr lang="ko-KR" altLang="en-US" dirty="0">
+                <a:solidFill>
+                  <a:srgbClr val="969696"/>
+                </a:solidFill>
+                <a:effectLst>
+                  <a:outerShdw blurRad="38100" dist="38100" dir="2700000" algn="tl">
+                    <a:srgbClr val="000000">
+                      <a:alpha val="43137"/>
+                    </a:srgbClr>
+                  </a:outerShdw>
+                </a:effectLst>
+                <a:latin typeface="HY목각파임B" panose="02030600000101010101" pitchFamily="18" charset="-127"/>
+                <a:ea typeface="HY목각파임B" panose="02030600000101010101" pitchFamily="18" charset="-127"/>
+              </a:rPr>
+              <a:t>사용법 </a:t>
+            </a:r>
+            <a:r>
+              <a:rPr lang="en-US" altLang="ko-KR" dirty="0">
+                <a:solidFill>
+                  <a:srgbClr val="969696"/>
+                </a:solidFill>
+                <a:effectLst>
+                  <a:outerShdw blurRad="38100" dist="38100" dir="2700000" algn="tl">
+                    <a:srgbClr val="000000">
+                      <a:alpha val="43137"/>
+                    </a:srgbClr>
+                  </a:outerShdw>
+                </a:effectLst>
+                <a:latin typeface="HY목각파임B" panose="02030600000101010101" pitchFamily="18" charset="-127"/>
+                <a:ea typeface="HY목각파임B" panose="02030600000101010101" pitchFamily="18" charset="-127"/>
+              </a:rPr>
+              <a:t>– MNIST</a:t>
+            </a:r>
+            <a:r>
+              <a:rPr lang="ko-KR" altLang="en-US" dirty="0">
+                <a:solidFill>
+                  <a:srgbClr val="969696"/>
+                </a:solidFill>
+                <a:effectLst>
+                  <a:outerShdw blurRad="38100" dist="38100" dir="2700000" algn="tl">
+                    <a:srgbClr val="000000">
+                      <a:alpha val="43137"/>
+                    </a:srgbClr>
+                  </a:outerShdw>
+                </a:effectLst>
+                <a:latin typeface="HY목각파임B" panose="02030600000101010101" pitchFamily="18" charset="-127"/>
+                <a:ea typeface="HY목각파임B" panose="02030600000101010101" pitchFamily="18" charset="-127"/>
+              </a:rPr>
+              <a:t> 예제</a:t>
+            </a:r>
+          </a:p>
+        </p:txBody>
+      </p:sp>
+      <p:sp>
+        <p:nvSpPr>
+          <p:cNvPr id="3" name="TextBox 2">
+            <a:extLst>
+              <a:ext uri="{FF2B5EF4-FFF2-40B4-BE49-F238E27FC236}">
+                <a16:creationId xmlns:a16="http://schemas.microsoft.com/office/drawing/2014/main" id="{927FF0F9-3BC7-4394-B18D-770F37DBF77F}"/>
+              </a:ext>
+            </a:extLst>
+          </p:cNvPr>
+          <p:cNvSpPr txBox="1"/>
+          <p:nvPr/>
+        </p:nvSpPr>
+        <p:spPr>
+          <a:xfrm>
+            <a:off x="1787979" y="1218754"/>
+            <a:ext cx="10404021" cy="369332"/>
+          </a:xfrm>
+          <a:prstGeom prst="rect">
+            <a:avLst/>
+          </a:prstGeom>
+          <a:noFill/>
+        </p:spPr>
+        <p:txBody>
+          <a:bodyPr wrap="square" rtlCol="0">
+            <a:spAutoFit/>
+          </a:bodyPr>
+          <a:lstStyle/>
+          <a:p>
+            <a:r>
+              <a:rPr lang="en-US" altLang="ko-KR" dirty="0">
+                <a:latin typeface="HY목각파임B" panose="02030600000101010101" pitchFamily="18" charset="-127"/>
+                <a:ea typeface="HY목각파임B" panose="02030600000101010101" pitchFamily="18" charset="-127"/>
+              </a:rPr>
+              <a:t>https://codeonweb.com/entry/f50e23df-0f23-4e56-95a6-efb9981716f7</a:t>
+            </a:r>
+          </a:p>
+        </p:txBody>
+      </p:sp>
+      <p:sp>
+        <p:nvSpPr>
+          <p:cNvPr id="7" name="슬라이드 번호 개체 틀 6">
+            <a:extLst>
+              <a:ext uri="{FF2B5EF4-FFF2-40B4-BE49-F238E27FC236}">
+                <a16:creationId xmlns:a16="http://schemas.microsoft.com/office/drawing/2014/main" id="{A2C31918-37C3-4DB1-AAC0-2A97D1156682}"/>
+              </a:ext>
+            </a:extLst>
+          </p:cNvPr>
+          <p:cNvSpPr>
+            <a:spLocks noGrp="1"/>
+          </p:cNvSpPr>
+          <p:nvPr>
+            <p:ph type="sldNum" sz="quarter" idx="12"/>
+          </p:nvPr>
+        </p:nvSpPr>
+        <p:spPr>
+          <a:xfrm>
+            <a:off x="9448800" y="6457950"/>
+            <a:ext cx="2743200" cy="365125"/>
+          </a:xfrm>
+        </p:spPr>
+        <p:txBody>
+          <a:bodyPr/>
+          <a:lstStyle/>
+          <a:p>
+            <a:fld id="{89CD3222-79B6-443D-98D6-073E6FB9B4BF}" type="slidenum">
+              <a:rPr lang="ko-KR" altLang="en-US" smtClean="0"/>
+              <a:t>42</a:t>
+            </a:fld>
+            <a:endParaRPr lang="ko-KR" altLang="en-US"/>
+          </a:p>
+        </p:txBody>
+      </p:sp>
+      <p:sp>
+        <p:nvSpPr>
+          <p:cNvPr id="14" name="TextBox 13">
+            <a:extLst>
+              <a:ext uri="{FF2B5EF4-FFF2-40B4-BE49-F238E27FC236}">
+                <a16:creationId xmlns:a16="http://schemas.microsoft.com/office/drawing/2014/main" id="{47547204-17A9-4042-A968-F35F452ECBD2}"/>
+              </a:ext>
+            </a:extLst>
+          </p:cNvPr>
+          <p:cNvSpPr txBox="1"/>
+          <p:nvPr/>
+        </p:nvSpPr>
+        <p:spPr>
+          <a:xfrm>
+            <a:off x="477118" y="1666614"/>
+            <a:ext cx="3877985" cy="584775"/>
+          </a:xfrm>
+          <a:prstGeom prst="rect">
+            <a:avLst/>
+          </a:prstGeom>
+          <a:noFill/>
+        </p:spPr>
+        <p:txBody>
+          <a:bodyPr wrap="none" rtlCol="0">
+            <a:spAutoFit/>
+          </a:bodyPr>
+          <a:lstStyle/>
+          <a:p>
+            <a:r>
+              <a:rPr lang="en-US" altLang="ko-KR" sz="3200" b="1" dirty="0">
+                <a:latin typeface="HY목각파임B" panose="02030600000101010101" pitchFamily="18" charset="-127"/>
+                <a:ea typeface="HY목각파임B" panose="02030600000101010101" pitchFamily="18" charset="-127"/>
+              </a:rPr>
+              <a:t>MNIST </a:t>
+            </a:r>
+            <a:r>
+              <a:rPr lang="ko-KR" altLang="en-US" sz="3200" b="1" dirty="0">
+                <a:latin typeface="HY목각파임B" panose="02030600000101010101" pitchFamily="18" charset="-127"/>
+                <a:ea typeface="HY목각파임B" panose="02030600000101010101" pitchFamily="18" charset="-127"/>
+              </a:rPr>
+              <a:t>그래프 선언</a:t>
+            </a:r>
+          </a:p>
+        </p:txBody>
+      </p:sp>
+      <p:sp>
+        <p:nvSpPr>
+          <p:cNvPr id="11" name="TextBox 10">
+            <a:extLst>
+              <a:ext uri="{FF2B5EF4-FFF2-40B4-BE49-F238E27FC236}">
+                <a16:creationId xmlns:a16="http://schemas.microsoft.com/office/drawing/2014/main" id="{3C7DE64A-1ADD-4F54-A0DD-92959CDE496A}"/>
+              </a:ext>
+            </a:extLst>
+          </p:cNvPr>
+          <p:cNvSpPr txBox="1"/>
+          <p:nvPr/>
+        </p:nvSpPr>
+        <p:spPr>
+          <a:xfrm>
+            <a:off x="7077684" y="2914693"/>
+            <a:ext cx="4506363" cy="461665"/>
+          </a:xfrm>
+          <a:prstGeom prst="rect">
+            <a:avLst/>
+          </a:prstGeom>
+          <a:noFill/>
+        </p:spPr>
+        <p:txBody>
+          <a:bodyPr wrap="none" rtlCol="0">
+            <a:spAutoFit/>
+          </a:bodyPr>
+          <a:lstStyle/>
+          <a:p>
+            <a:pPr algn="ctr"/>
+            <a:r>
+              <a:rPr lang="ko-KR" altLang="en-US" sz="2400" dirty="0">
+                <a:latin typeface="HY목각파임B" panose="02030600000101010101" pitchFamily="18" charset="-127"/>
+                <a:ea typeface="HY목각파임B" panose="02030600000101010101" pitchFamily="18" charset="-127"/>
+              </a:rPr>
+              <a:t>첫번째 </a:t>
+            </a:r>
+            <a:r>
+              <a:rPr lang="en-US" altLang="ko-KR" sz="2400" dirty="0">
+                <a:latin typeface="HY목각파임B" panose="02030600000101010101" pitchFamily="18" charset="-127"/>
+                <a:ea typeface="HY목각파임B" panose="02030600000101010101" pitchFamily="18" charset="-127"/>
+              </a:rPr>
+              <a:t> </a:t>
+            </a:r>
+            <a:r>
+              <a:rPr lang="ko-KR" altLang="en-US" sz="2400" dirty="0" err="1">
+                <a:latin typeface="HY목각파임B" panose="02030600000101010101" pitchFamily="18" charset="-127"/>
+                <a:ea typeface="HY목각파임B" panose="02030600000101010101" pitchFamily="18" charset="-127"/>
+              </a:rPr>
+              <a:t>컨볼루션</a:t>
+            </a:r>
+            <a:r>
+              <a:rPr lang="ko-KR" altLang="en-US" sz="2400" dirty="0">
+                <a:latin typeface="HY목각파임B" panose="02030600000101010101" pitchFamily="18" charset="-127"/>
+                <a:ea typeface="HY목각파임B" panose="02030600000101010101" pitchFamily="18" charset="-127"/>
+              </a:rPr>
+              <a:t> </a:t>
+            </a:r>
+            <a:r>
+              <a:rPr lang="en-US" altLang="ko-KR" sz="2400" dirty="0">
+                <a:latin typeface="HY목각파임B" panose="02030600000101010101" pitchFamily="18" charset="-127"/>
+                <a:ea typeface="HY목각파임B" panose="02030600000101010101" pitchFamily="18" charset="-127"/>
+              </a:rPr>
+              <a:t>, </a:t>
+            </a:r>
+            <a:r>
+              <a:rPr lang="ko-KR" altLang="en-US" sz="2400" dirty="0" err="1">
+                <a:latin typeface="HY목각파임B" panose="02030600000101010101" pitchFamily="18" charset="-127"/>
+                <a:ea typeface="HY목각파임B" panose="02030600000101010101" pitchFamily="18" charset="-127"/>
+              </a:rPr>
+              <a:t>풀링</a:t>
+            </a:r>
+            <a:r>
+              <a:rPr lang="ko-KR" altLang="en-US" sz="2400" dirty="0">
+                <a:latin typeface="HY목각파임B" panose="02030600000101010101" pitchFamily="18" charset="-127"/>
+                <a:ea typeface="HY목각파임B" panose="02030600000101010101" pitchFamily="18" charset="-127"/>
+              </a:rPr>
+              <a:t> 레이어</a:t>
+            </a:r>
+          </a:p>
+        </p:txBody>
+      </p:sp>
+      <p:sp>
+        <p:nvSpPr>
+          <p:cNvPr id="12" name="오른쪽 대괄호 11">
+            <a:extLst>
+              <a:ext uri="{FF2B5EF4-FFF2-40B4-BE49-F238E27FC236}">
+                <a16:creationId xmlns:a16="http://schemas.microsoft.com/office/drawing/2014/main" id="{885FA6DB-689B-4FEC-873E-A00E492B4120}"/>
+              </a:ext>
+            </a:extLst>
+          </p:cNvPr>
+          <p:cNvSpPr/>
+          <p:nvPr/>
+        </p:nvSpPr>
+        <p:spPr>
+          <a:xfrm>
+            <a:off x="5657848" y="2677206"/>
+            <a:ext cx="568779" cy="936640"/>
+          </a:xfrm>
+          <a:prstGeom prst="rightBracket">
+            <a:avLst/>
+          </a:prstGeom>
+          <a:ln w="34925">
+            <a:solidFill>
+              <a:srgbClr val="D82626">
+                <a:alpha val="64000"/>
+              </a:srgbClr>
+            </a:solidFill>
+          </a:ln>
+        </p:spPr>
+        <p:style>
+          <a:lnRef idx="1">
+            <a:schemeClr val="accent1"/>
+          </a:lnRef>
+          <a:fillRef idx="0">
+            <a:schemeClr val="accent1"/>
+          </a:fillRef>
+          <a:effectRef idx="0">
+            <a:schemeClr val="accent1"/>
+          </a:effectRef>
+          <a:fontRef idx="minor">
+            <a:schemeClr val="tx1"/>
+          </a:fontRef>
+        </p:style>
+        <p:txBody>
+          <a:bodyPr rtlCol="0" anchor="ctr"/>
+          <a:lstStyle/>
+          <a:p>
+            <a:pPr algn="ctr"/>
+            <a:endParaRPr lang="ko-KR" altLang="en-US">
+              <a:latin typeface="HY목각파임B" panose="02030600000101010101" pitchFamily="18" charset="-127"/>
+              <a:ea typeface="HY목각파임B" panose="02030600000101010101" pitchFamily="18" charset="-127"/>
+            </a:endParaRPr>
+          </a:p>
+        </p:txBody>
+      </p:sp>
+      <p:cxnSp>
+        <p:nvCxnSpPr>
+          <p:cNvPr id="13" name="직선 화살표 연결선 12">
+            <a:extLst>
+              <a:ext uri="{FF2B5EF4-FFF2-40B4-BE49-F238E27FC236}">
+                <a16:creationId xmlns:a16="http://schemas.microsoft.com/office/drawing/2014/main" id="{8870DD01-AE8D-447C-8BFA-E986B22BE8A6}"/>
+              </a:ext>
+            </a:extLst>
+          </p:cNvPr>
+          <p:cNvCxnSpPr>
+            <a:cxnSpLocks/>
+            <a:stCxn id="12" idx="2"/>
+            <a:endCxn id="11" idx="1"/>
+          </p:cNvCxnSpPr>
+          <p:nvPr/>
+        </p:nvCxnSpPr>
+        <p:spPr>
+          <a:xfrm>
+            <a:off x="6226627" y="3145526"/>
+            <a:ext cx="851057" cy="0"/>
+          </a:xfrm>
+          <a:prstGeom prst="straightConnector1">
+            <a:avLst/>
+          </a:prstGeom>
+          <a:ln w="44450">
+            <a:solidFill>
+              <a:srgbClr val="C00000">
+                <a:alpha val="64000"/>
+              </a:srgbClr>
+            </a:solidFill>
+            <a:headEnd type="none"/>
+            <a:tailEnd type="triangle" w="lg" len="lg"/>
+          </a:ln>
+        </p:spPr>
+        <p:style>
+          <a:lnRef idx="1">
+            <a:schemeClr val="accent1"/>
+          </a:lnRef>
+          <a:fillRef idx="0">
+            <a:schemeClr val="accent1"/>
+          </a:fillRef>
+          <a:effectRef idx="0">
+            <a:schemeClr val="accent1"/>
+          </a:effectRef>
+          <a:fontRef idx="minor">
+            <a:schemeClr val="tx1"/>
+          </a:fontRef>
+        </p:style>
+      </p:cxnSp>
+      <p:sp>
+        <p:nvSpPr>
+          <p:cNvPr id="20" name="TextBox 19">
+            <a:extLst>
+              <a:ext uri="{FF2B5EF4-FFF2-40B4-BE49-F238E27FC236}">
+                <a16:creationId xmlns:a16="http://schemas.microsoft.com/office/drawing/2014/main" id="{22C91443-27E9-4346-8436-CF3E64F56F58}"/>
+              </a:ext>
+            </a:extLst>
+          </p:cNvPr>
+          <p:cNvSpPr txBox="1"/>
+          <p:nvPr/>
+        </p:nvSpPr>
+        <p:spPr>
+          <a:xfrm>
+            <a:off x="7077684" y="3927337"/>
+            <a:ext cx="4506363" cy="461665"/>
+          </a:xfrm>
+          <a:prstGeom prst="rect">
+            <a:avLst/>
+          </a:prstGeom>
+          <a:noFill/>
+        </p:spPr>
+        <p:txBody>
+          <a:bodyPr wrap="none" rtlCol="0">
+            <a:spAutoFit/>
+          </a:bodyPr>
+          <a:lstStyle/>
+          <a:p>
+            <a:pPr algn="ctr"/>
+            <a:r>
+              <a:rPr lang="ko-KR" altLang="en-US" sz="2400" dirty="0">
+                <a:latin typeface="HY목각파임B" panose="02030600000101010101" pitchFamily="18" charset="-127"/>
+                <a:ea typeface="HY목각파임B" panose="02030600000101010101" pitchFamily="18" charset="-127"/>
+              </a:rPr>
+              <a:t>두번째 </a:t>
+            </a:r>
+            <a:r>
+              <a:rPr lang="en-US" altLang="ko-KR" sz="2400" dirty="0">
+                <a:latin typeface="HY목각파임B" panose="02030600000101010101" pitchFamily="18" charset="-127"/>
+                <a:ea typeface="HY목각파임B" panose="02030600000101010101" pitchFamily="18" charset="-127"/>
+              </a:rPr>
+              <a:t> </a:t>
+            </a:r>
+            <a:r>
+              <a:rPr lang="ko-KR" altLang="en-US" sz="2400" dirty="0" err="1">
+                <a:latin typeface="HY목각파임B" panose="02030600000101010101" pitchFamily="18" charset="-127"/>
+                <a:ea typeface="HY목각파임B" panose="02030600000101010101" pitchFamily="18" charset="-127"/>
+              </a:rPr>
+              <a:t>컨볼루션</a:t>
+            </a:r>
+            <a:r>
+              <a:rPr lang="ko-KR" altLang="en-US" sz="2400" dirty="0">
+                <a:latin typeface="HY목각파임B" panose="02030600000101010101" pitchFamily="18" charset="-127"/>
+                <a:ea typeface="HY목각파임B" panose="02030600000101010101" pitchFamily="18" charset="-127"/>
+              </a:rPr>
+              <a:t> </a:t>
+            </a:r>
+            <a:r>
+              <a:rPr lang="en-US" altLang="ko-KR" sz="2400" dirty="0">
+                <a:latin typeface="HY목각파임B" panose="02030600000101010101" pitchFamily="18" charset="-127"/>
+                <a:ea typeface="HY목각파임B" panose="02030600000101010101" pitchFamily="18" charset="-127"/>
+              </a:rPr>
+              <a:t>, </a:t>
+            </a:r>
+            <a:r>
+              <a:rPr lang="ko-KR" altLang="en-US" sz="2400" dirty="0" err="1">
+                <a:latin typeface="HY목각파임B" panose="02030600000101010101" pitchFamily="18" charset="-127"/>
+                <a:ea typeface="HY목각파임B" panose="02030600000101010101" pitchFamily="18" charset="-127"/>
+              </a:rPr>
+              <a:t>풀링</a:t>
+            </a:r>
+            <a:r>
+              <a:rPr lang="ko-KR" altLang="en-US" sz="2400" dirty="0">
+                <a:latin typeface="HY목각파임B" panose="02030600000101010101" pitchFamily="18" charset="-127"/>
+                <a:ea typeface="HY목각파임B" panose="02030600000101010101" pitchFamily="18" charset="-127"/>
+              </a:rPr>
+              <a:t> 레이어</a:t>
+            </a:r>
+          </a:p>
+        </p:txBody>
+      </p:sp>
+      <p:sp>
+        <p:nvSpPr>
+          <p:cNvPr id="21" name="오른쪽 대괄호 20">
+            <a:extLst>
+              <a:ext uri="{FF2B5EF4-FFF2-40B4-BE49-F238E27FC236}">
+                <a16:creationId xmlns:a16="http://schemas.microsoft.com/office/drawing/2014/main" id="{2A533AB9-F127-4107-A9EE-AAD54556DCE6}"/>
+              </a:ext>
+            </a:extLst>
+          </p:cNvPr>
+          <p:cNvSpPr/>
+          <p:nvPr/>
+        </p:nvSpPr>
+        <p:spPr>
+          <a:xfrm>
+            <a:off x="5657848" y="3788427"/>
+            <a:ext cx="568779" cy="747983"/>
+          </a:xfrm>
+          <a:prstGeom prst="rightBracket">
+            <a:avLst/>
+          </a:prstGeom>
+          <a:ln w="34925">
+            <a:solidFill>
+              <a:srgbClr val="D82626">
+                <a:alpha val="64000"/>
+              </a:srgbClr>
+            </a:solidFill>
+          </a:ln>
+        </p:spPr>
+        <p:style>
+          <a:lnRef idx="1">
+            <a:schemeClr val="accent1"/>
+          </a:lnRef>
+          <a:fillRef idx="0">
+            <a:schemeClr val="accent1"/>
+          </a:fillRef>
+          <a:effectRef idx="0">
+            <a:schemeClr val="accent1"/>
+          </a:effectRef>
+          <a:fontRef idx="minor">
+            <a:schemeClr val="tx1"/>
+          </a:fontRef>
+        </p:style>
+        <p:txBody>
+          <a:bodyPr rtlCol="0" anchor="ctr"/>
+          <a:lstStyle/>
+          <a:p>
+            <a:pPr algn="ctr"/>
+            <a:endParaRPr lang="ko-KR" altLang="en-US">
+              <a:latin typeface="HY목각파임B" panose="02030600000101010101" pitchFamily="18" charset="-127"/>
+              <a:ea typeface="HY목각파임B" panose="02030600000101010101" pitchFamily="18" charset="-127"/>
+            </a:endParaRPr>
+          </a:p>
+        </p:txBody>
+      </p:sp>
+      <p:cxnSp>
+        <p:nvCxnSpPr>
+          <p:cNvPr id="22" name="직선 화살표 연결선 21">
+            <a:extLst>
+              <a:ext uri="{FF2B5EF4-FFF2-40B4-BE49-F238E27FC236}">
+                <a16:creationId xmlns:a16="http://schemas.microsoft.com/office/drawing/2014/main" id="{D5713F74-529F-4E56-9BED-5F4690924D87}"/>
+              </a:ext>
+            </a:extLst>
+          </p:cNvPr>
+          <p:cNvCxnSpPr>
+            <a:cxnSpLocks/>
+            <a:stCxn id="21" idx="2"/>
+            <a:endCxn id="20" idx="1"/>
+          </p:cNvCxnSpPr>
+          <p:nvPr/>
+        </p:nvCxnSpPr>
+        <p:spPr>
+          <a:xfrm flipV="1">
+            <a:off x="6226627" y="4158170"/>
+            <a:ext cx="851057" cy="4249"/>
+          </a:xfrm>
+          <a:prstGeom prst="straightConnector1">
+            <a:avLst/>
+          </a:prstGeom>
+          <a:ln w="44450">
+            <a:solidFill>
+              <a:srgbClr val="C00000">
+                <a:alpha val="64000"/>
+              </a:srgbClr>
+            </a:solidFill>
+            <a:headEnd type="none"/>
+            <a:tailEnd type="triangle" w="lg" len="lg"/>
+          </a:ln>
+        </p:spPr>
+        <p:style>
+          <a:lnRef idx="1">
+            <a:schemeClr val="accent1"/>
+          </a:lnRef>
+          <a:fillRef idx="0">
+            <a:schemeClr val="accent1"/>
+          </a:fillRef>
+          <a:effectRef idx="0">
+            <a:schemeClr val="accent1"/>
+          </a:effectRef>
+          <a:fontRef idx="minor">
+            <a:schemeClr val="tx1"/>
+          </a:fontRef>
+        </p:style>
+      </p:cxnSp>
+      <p:sp>
+        <p:nvSpPr>
+          <p:cNvPr id="24" name="TextBox 23">
+            <a:extLst>
+              <a:ext uri="{FF2B5EF4-FFF2-40B4-BE49-F238E27FC236}">
+                <a16:creationId xmlns:a16="http://schemas.microsoft.com/office/drawing/2014/main" id="{CDBD145E-BBC1-4C5D-8666-9D4CD5956C34}"/>
+              </a:ext>
+            </a:extLst>
+          </p:cNvPr>
+          <p:cNvSpPr txBox="1"/>
+          <p:nvPr/>
+        </p:nvSpPr>
+        <p:spPr>
+          <a:xfrm>
+            <a:off x="7058635" y="4887573"/>
+            <a:ext cx="2548008" cy="461665"/>
+          </a:xfrm>
+          <a:prstGeom prst="rect">
+            <a:avLst/>
+          </a:prstGeom>
+          <a:noFill/>
+        </p:spPr>
+        <p:txBody>
+          <a:bodyPr wrap="square" rtlCol="0">
+            <a:spAutoFit/>
+          </a:bodyPr>
+          <a:lstStyle/>
+          <a:p>
+            <a:pPr algn="ctr"/>
+            <a:r>
+              <a:rPr lang="ko-KR" altLang="en-US" sz="2400" dirty="0">
+                <a:latin typeface="HY목각파임B" panose="02030600000101010101" pitchFamily="18" charset="-127"/>
+                <a:ea typeface="HY목각파임B" panose="02030600000101010101" pitchFamily="18" charset="-127"/>
+              </a:rPr>
+              <a:t>풀 </a:t>
+            </a:r>
+            <a:r>
+              <a:rPr lang="ko-KR" altLang="en-US" sz="2400" dirty="0" err="1">
+                <a:latin typeface="HY목각파임B" panose="02030600000101010101" pitchFamily="18" charset="-127"/>
+                <a:ea typeface="HY목각파임B" panose="02030600000101010101" pitchFamily="18" charset="-127"/>
+              </a:rPr>
+              <a:t>커넥트</a:t>
+            </a:r>
+            <a:r>
+              <a:rPr lang="ko-KR" altLang="en-US" sz="2400" dirty="0">
+                <a:latin typeface="HY목각파임B" panose="02030600000101010101" pitchFamily="18" charset="-127"/>
+                <a:ea typeface="HY목각파임B" panose="02030600000101010101" pitchFamily="18" charset="-127"/>
+              </a:rPr>
+              <a:t> 레이어</a:t>
+            </a:r>
+          </a:p>
+        </p:txBody>
+      </p:sp>
+      <p:sp>
+        <p:nvSpPr>
+          <p:cNvPr id="25" name="오른쪽 대괄호 24">
+            <a:extLst>
+              <a:ext uri="{FF2B5EF4-FFF2-40B4-BE49-F238E27FC236}">
+                <a16:creationId xmlns:a16="http://schemas.microsoft.com/office/drawing/2014/main" id="{3F9F39B2-FCD0-4776-A896-8A05C94FAF44}"/>
+              </a:ext>
+            </a:extLst>
+          </p:cNvPr>
+          <p:cNvSpPr/>
+          <p:nvPr/>
+        </p:nvSpPr>
+        <p:spPr>
+          <a:xfrm>
+            <a:off x="5736771" y="4748663"/>
+            <a:ext cx="470807" cy="747983"/>
+          </a:xfrm>
+          <a:prstGeom prst="rightBracket">
+            <a:avLst/>
+          </a:prstGeom>
+          <a:ln w="34925">
+            <a:solidFill>
+              <a:srgbClr val="D82626">
+                <a:alpha val="64000"/>
+              </a:srgbClr>
+            </a:solidFill>
+          </a:ln>
+        </p:spPr>
+        <p:style>
+          <a:lnRef idx="1">
+            <a:schemeClr val="accent1"/>
+          </a:lnRef>
+          <a:fillRef idx="0">
+            <a:schemeClr val="accent1"/>
+          </a:fillRef>
+          <a:effectRef idx="0">
+            <a:schemeClr val="accent1"/>
+          </a:effectRef>
+          <a:fontRef idx="minor">
+            <a:schemeClr val="tx1"/>
+          </a:fontRef>
+        </p:style>
+        <p:txBody>
+          <a:bodyPr rtlCol="0" anchor="ctr"/>
+          <a:lstStyle/>
+          <a:p>
+            <a:pPr algn="ctr"/>
+            <a:endParaRPr lang="ko-KR" altLang="en-US">
+              <a:latin typeface="HY목각파임B" panose="02030600000101010101" pitchFamily="18" charset="-127"/>
+              <a:ea typeface="HY목각파임B" panose="02030600000101010101" pitchFamily="18" charset="-127"/>
+            </a:endParaRPr>
+          </a:p>
+        </p:txBody>
+      </p:sp>
+      <p:cxnSp>
+        <p:nvCxnSpPr>
+          <p:cNvPr id="26" name="직선 화살표 연결선 25">
+            <a:extLst>
+              <a:ext uri="{FF2B5EF4-FFF2-40B4-BE49-F238E27FC236}">
+                <a16:creationId xmlns:a16="http://schemas.microsoft.com/office/drawing/2014/main" id="{B275BE96-8D2D-4F24-8E7C-0AF8D1A7F4DC}"/>
+              </a:ext>
+            </a:extLst>
+          </p:cNvPr>
+          <p:cNvCxnSpPr>
+            <a:cxnSpLocks/>
+            <a:stCxn id="25" idx="2"/>
+            <a:endCxn id="24" idx="1"/>
+          </p:cNvCxnSpPr>
+          <p:nvPr/>
+        </p:nvCxnSpPr>
+        <p:spPr>
+          <a:xfrm flipV="1">
+            <a:off x="6207578" y="5118406"/>
+            <a:ext cx="851057" cy="4249"/>
+          </a:xfrm>
+          <a:prstGeom prst="straightConnector1">
+            <a:avLst/>
+          </a:prstGeom>
+          <a:ln w="44450">
+            <a:solidFill>
+              <a:srgbClr val="C00000">
+                <a:alpha val="64000"/>
+              </a:srgbClr>
+            </a:solidFill>
+            <a:headEnd type="none"/>
+            <a:tailEnd type="triangle" w="lg" len="lg"/>
+          </a:ln>
+        </p:spPr>
+        <p:style>
+          <a:lnRef idx="1">
+            <a:schemeClr val="accent1"/>
+          </a:lnRef>
+          <a:fillRef idx="0">
+            <a:schemeClr val="accent1"/>
+          </a:fillRef>
+          <a:effectRef idx="0">
+            <a:schemeClr val="accent1"/>
+          </a:effectRef>
+          <a:fontRef idx="minor">
+            <a:schemeClr val="tx1"/>
+          </a:fontRef>
+        </p:style>
+      </p:cxnSp>
+      <p:sp>
+        <p:nvSpPr>
+          <p:cNvPr id="32" name="TextBox 31">
+            <a:extLst>
+              <a:ext uri="{FF2B5EF4-FFF2-40B4-BE49-F238E27FC236}">
+                <a16:creationId xmlns:a16="http://schemas.microsoft.com/office/drawing/2014/main" id="{9A74C6FD-8293-4CD8-BD12-75E299D52D9C}"/>
+              </a:ext>
+            </a:extLst>
+          </p:cNvPr>
+          <p:cNvSpPr txBox="1"/>
+          <p:nvPr/>
+        </p:nvSpPr>
+        <p:spPr>
+          <a:xfrm>
+            <a:off x="7077684" y="5515674"/>
+            <a:ext cx="1511145" cy="461665"/>
+          </a:xfrm>
+          <a:prstGeom prst="rect">
+            <a:avLst/>
+          </a:prstGeom>
+          <a:noFill/>
+        </p:spPr>
+        <p:txBody>
+          <a:bodyPr wrap="square" rtlCol="0">
+            <a:spAutoFit/>
+          </a:bodyPr>
+          <a:lstStyle/>
+          <a:p>
+            <a:pPr algn="ctr"/>
+            <a:r>
+              <a:rPr lang="ko-KR" altLang="en-US" sz="2400" dirty="0">
+                <a:latin typeface="HY목각파임B" panose="02030600000101010101" pitchFamily="18" charset="-127"/>
+                <a:ea typeface="HY목각파임B" panose="02030600000101010101" pitchFamily="18" charset="-127"/>
+              </a:rPr>
+              <a:t>드랍 아웃</a:t>
+            </a:r>
+          </a:p>
+        </p:txBody>
+      </p:sp>
+      <p:sp>
+        <p:nvSpPr>
+          <p:cNvPr id="33" name="오른쪽 대괄호 32">
+            <a:extLst>
+              <a:ext uri="{FF2B5EF4-FFF2-40B4-BE49-F238E27FC236}">
+                <a16:creationId xmlns:a16="http://schemas.microsoft.com/office/drawing/2014/main" id="{0C335347-E6D1-4614-BBCD-FAC75297D0B2}"/>
+              </a:ext>
+            </a:extLst>
+          </p:cNvPr>
+          <p:cNvSpPr/>
+          <p:nvPr/>
+        </p:nvSpPr>
+        <p:spPr>
+          <a:xfrm>
+            <a:off x="5736771" y="5626626"/>
+            <a:ext cx="470807" cy="239763"/>
+          </a:xfrm>
+          <a:prstGeom prst="rightBracket">
+            <a:avLst/>
+          </a:prstGeom>
+          <a:ln w="34925">
+            <a:solidFill>
+              <a:srgbClr val="D82626">
+                <a:alpha val="64000"/>
+              </a:srgbClr>
+            </a:solidFill>
+          </a:ln>
+        </p:spPr>
+        <p:style>
+          <a:lnRef idx="1">
+            <a:schemeClr val="accent1"/>
+          </a:lnRef>
+          <a:fillRef idx="0">
+            <a:schemeClr val="accent1"/>
+          </a:fillRef>
+          <a:effectRef idx="0">
+            <a:schemeClr val="accent1"/>
+          </a:effectRef>
+          <a:fontRef idx="minor">
+            <a:schemeClr val="tx1"/>
+          </a:fontRef>
+        </p:style>
+        <p:txBody>
+          <a:bodyPr rtlCol="0" anchor="ctr"/>
+          <a:lstStyle/>
+          <a:p>
+            <a:pPr algn="ctr"/>
+            <a:endParaRPr lang="ko-KR" altLang="en-US">
+              <a:latin typeface="HY목각파임B" panose="02030600000101010101" pitchFamily="18" charset="-127"/>
+              <a:ea typeface="HY목각파임B" panose="02030600000101010101" pitchFamily="18" charset="-127"/>
+            </a:endParaRPr>
+          </a:p>
+        </p:txBody>
+      </p:sp>
+      <p:cxnSp>
+        <p:nvCxnSpPr>
+          <p:cNvPr id="34" name="직선 화살표 연결선 33">
+            <a:extLst>
+              <a:ext uri="{FF2B5EF4-FFF2-40B4-BE49-F238E27FC236}">
+                <a16:creationId xmlns:a16="http://schemas.microsoft.com/office/drawing/2014/main" id="{BC8B261A-4B52-45F5-8A3D-25C6EE2571E4}"/>
+              </a:ext>
+            </a:extLst>
+          </p:cNvPr>
+          <p:cNvCxnSpPr>
+            <a:cxnSpLocks/>
+            <a:stCxn id="33" idx="2"/>
+            <a:endCxn id="32" idx="1"/>
+          </p:cNvCxnSpPr>
+          <p:nvPr/>
+        </p:nvCxnSpPr>
+        <p:spPr>
+          <a:xfrm flipV="1">
+            <a:off x="6207578" y="5746507"/>
+            <a:ext cx="870106" cy="1"/>
+          </a:xfrm>
+          <a:prstGeom prst="straightConnector1">
+            <a:avLst/>
+          </a:prstGeom>
+          <a:ln w="44450">
+            <a:solidFill>
+              <a:srgbClr val="C00000">
+                <a:alpha val="64000"/>
+              </a:srgbClr>
+            </a:solidFill>
+            <a:headEnd type="none"/>
+            <a:tailEnd type="triangle" w="lg" len="lg"/>
+          </a:ln>
+        </p:spPr>
+        <p:style>
+          <a:lnRef idx="1">
+            <a:schemeClr val="accent1"/>
+          </a:lnRef>
+          <a:fillRef idx="0">
+            <a:schemeClr val="accent1"/>
+          </a:fillRef>
+          <a:effectRef idx="0">
+            <a:schemeClr val="accent1"/>
+          </a:effectRef>
+          <a:fontRef idx="minor">
+            <a:schemeClr val="tx1"/>
+          </a:fontRef>
+        </p:style>
+      </p:cxnSp>
+      <p:sp>
+        <p:nvSpPr>
+          <p:cNvPr id="38" name="TextBox 37">
+            <a:extLst>
+              <a:ext uri="{FF2B5EF4-FFF2-40B4-BE49-F238E27FC236}">
+                <a16:creationId xmlns:a16="http://schemas.microsoft.com/office/drawing/2014/main" id="{3AEF5E69-0DD0-460C-9820-161672A89CD2}"/>
+              </a:ext>
+            </a:extLst>
+          </p:cNvPr>
+          <p:cNvSpPr txBox="1"/>
+          <p:nvPr/>
+        </p:nvSpPr>
+        <p:spPr>
+          <a:xfrm>
+            <a:off x="7077684" y="6143775"/>
+            <a:ext cx="1894866" cy="461665"/>
+          </a:xfrm>
+          <a:prstGeom prst="rect">
+            <a:avLst/>
+          </a:prstGeom>
+          <a:noFill/>
+        </p:spPr>
+        <p:txBody>
+          <a:bodyPr wrap="square" rtlCol="0">
+            <a:spAutoFit/>
+          </a:bodyPr>
+          <a:lstStyle/>
+          <a:p>
+            <a:pPr algn="ctr"/>
+            <a:r>
+              <a:rPr lang="ko-KR" altLang="en-US" sz="2400" dirty="0">
+                <a:latin typeface="HY목각파임B" panose="02030600000101010101" pitchFamily="18" charset="-127"/>
+                <a:ea typeface="HY목각파임B" panose="02030600000101010101" pitchFamily="18" charset="-127"/>
+              </a:rPr>
+              <a:t>판독 레이어</a:t>
+            </a:r>
+          </a:p>
+        </p:txBody>
+      </p:sp>
+      <p:sp>
+        <p:nvSpPr>
+          <p:cNvPr id="39" name="오른쪽 대괄호 38">
+            <a:extLst>
+              <a:ext uri="{FF2B5EF4-FFF2-40B4-BE49-F238E27FC236}">
+                <a16:creationId xmlns:a16="http://schemas.microsoft.com/office/drawing/2014/main" id="{6074D207-1F79-4811-854E-B818C3331CE9}"/>
+              </a:ext>
+            </a:extLst>
+          </p:cNvPr>
+          <p:cNvSpPr/>
+          <p:nvPr/>
+        </p:nvSpPr>
+        <p:spPr>
+          <a:xfrm>
+            <a:off x="5736771" y="6143777"/>
+            <a:ext cx="470807" cy="461665"/>
+          </a:xfrm>
+          <a:prstGeom prst="rightBracket">
+            <a:avLst/>
+          </a:prstGeom>
+          <a:ln w="34925">
+            <a:solidFill>
+              <a:srgbClr val="D82626">
+                <a:alpha val="64000"/>
+              </a:srgbClr>
+            </a:solidFill>
+          </a:ln>
+        </p:spPr>
+        <p:style>
+          <a:lnRef idx="1">
+            <a:schemeClr val="accent1"/>
+          </a:lnRef>
+          <a:fillRef idx="0">
+            <a:schemeClr val="accent1"/>
+          </a:fillRef>
+          <a:effectRef idx="0">
+            <a:schemeClr val="accent1"/>
+          </a:effectRef>
+          <a:fontRef idx="minor">
+            <a:schemeClr val="tx1"/>
+          </a:fontRef>
+        </p:style>
+        <p:txBody>
+          <a:bodyPr rtlCol="0" anchor="ctr"/>
+          <a:lstStyle/>
+          <a:p>
+            <a:pPr algn="ctr"/>
+            <a:endParaRPr lang="ko-KR" altLang="en-US">
+              <a:latin typeface="HY목각파임B" panose="02030600000101010101" pitchFamily="18" charset="-127"/>
+              <a:ea typeface="HY목각파임B" panose="02030600000101010101" pitchFamily="18" charset="-127"/>
+            </a:endParaRPr>
+          </a:p>
+        </p:txBody>
+      </p:sp>
+      <p:cxnSp>
+        <p:nvCxnSpPr>
+          <p:cNvPr id="40" name="직선 화살표 연결선 39">
+            <a:extLst>
+              <a:ext uri="{FF2B5EF4-FFF2-40B4-BE49-F238E27FC236}">
+                <a16:creationId xmlns:a16="http://schemas.microsoft.com/office/drawing/2014/main" id="{7EA2FCE6-BE1B-4D91-A1B1-FD1185214C1B}"/>
+              </a:ext>
+            </a:extLst>
+          </p:cNvPr>
+          <p:cNvCxnSpPr>
+            <a:cxnSpLocks/>
+            <a:stCxn id="39" idx="2"/>
+            <a:endCxn id="38" idx="1"/>
+          </p:cNvCxnSpPr>
+          <p:nvPr/>
+        </p:nvCxnSpPr>
+        <p:spPr>
+          <a:xfrm flipV="1">
+            <a:off x="6207578" y="6374608"/>
+            <a:ext cx="870106" cy="2"/>
+          </a:xfrm>
+          <a:prstGeom prst="straightConnector1">
+            <a:avLst/>
+          </a:prstGeom>
+          <a:ln w="44450">
+            <a:solidFill>
+              <a:srgbClr val="C00000">
+                <a:alpha val="64000"/>
+              </a:srgbClr>
+            </a:solidFill>
+            <a:headEnd type="none"/>
+            <a:tailEnd type="triangle" w="lg" len="lg"/>
+          </a:ln>
+        </p:spPr>
+        <p:style>
+          <a:lnRef idx="1">
+            <a:schemeClr val="accent1"/>
+          </a:lnRef>
+          <a:fillRef idx="0">
+            <a:schemeClr val="accent1"/>
+          </a:fillRef>
+          <a:effectRef idx="0">
+            <a:schemeClr val="accent1"/>
+          </a:effectRef>
+          <a:fontRef idx="minor">
+            <a:schemeClr val="tx1"/>
+          </a:fontRef>
+        </p:style>
+      </p:cxnSp>
+      <p:sp>
+        <p:nvSpPr>
+          <p:cNvPr id="47" name="TextBox 46">
+            <a:extLst>
+              <a:ext uri="{FF2B5EF4-FFF2-40B4-BE49-F238E27FC236}">
+                <a16:creationId xmlns:a16="http://schemas.microsoft.com/office/drawing/2014/main" id="{C1B3ED62-D305-4BEE-80F3-22DA3446A8E4}"/>
+              </a:ext>
+            </a:extLst>
+          </p:cNvPr>
+          <p:cNvSpPr txBox="1"/>
+          <p:nvPr/>
+        </p:nvSpPr>
+        <p:spPr>
+          <a:xfrm>
+            <a:off x="4333438" y="2056638"/>
+            <a:ext cx="5455340" cy="369332"/>
+          </a:xfrm>
+          <a:prstGeom prst="rect">
+            <a:avLst/>
+          </a:prstGeom>
+          <a:noFill/>
+        </p:spPr>
+        <p:txBody>
+          <a:bodyPr wrap="none" rtlCol="0">
+            <a:spAutoFit/>
+          </a:bodyPr>
+          <a:lstStyle/>
+          <a:p>
+            <a:r>
+              <a:rPr lang="ko-KR" altLang="en-US" dirty="0">
+                <a:latin typeface="HY목각파임B" panose="02030600000101010101" pitchFamily="18" charset="-127"/>
+                <a:ea typeface="HY목각파임B" panose="02030600000101010101" pitchFamily="18" charset="-127"/>
+              </a:rPr>
+              <a:t>각 부분의 설명 및 함수는 위의 링크에서 참고 가능</a:t>
+            </a:r>
+          </a:p>
+        </p:txBody>
+      </p:sp>
+    </p:spTree>
+    <p:extLst>
+      <p:ext uri="{BB962C8B-B14F-4D97-AF65-F5344CB8AC3E}">
+        <p14:creationId xmlns:p14="http://schemas.microsoft.com/office/powerpoint/2010/main" val="2124615128"/>
+      </p:ext>
+    </p:extLst>
+  </p:cSld>
+  <p:clrMapOvr>
+    <a:masterClrMapping/>
+  </p:clrMapOvr>
+</p:sld>
+</file>
+
+<file path=ppt/slides/slide43.xml><?xml version="1.0" encoding="utf-8"?>
+<p:sld xmlns:a="http://schemas.openxmlformats.org/drawingml/2006/main" xmlns:r="http://schemas.openxmlformats.org/officeDocument/2006/relationships" xmlns:p="http://schemas.openxmlformats.org/presentationml/2006/main">
+  <p:cSld>
+    <p:spTree>
+      <p:nvGrpSpPr>
+        <p:cNvPr id="1" name=""/>
+        <p:cNvGrpSpPr/>
+        <p:nvPr/>
+      </p:nvGrpSpPr>
+      <p:grpSpPr>
+        <a:xfrm>
+          <a:off x="0" y="0"/>
+          <a:ext cx="0" cy="0"/>
+          <a:chOff x="0" y="0"/>
+          <a:chExt cx="0" cy="0"/>
+        </a:xfrm>
+      </p:grpSpPr>
+      <p:sp>
+        <p:nvSpPr>
+          <p:cNvPr id="2" name="제목 1">
+            <a:extLst>
+              <a:ext uri="{FF2B5EF4-FFF2-40B4-BE49-F238E27FC236}">
+                <a16:creationId xmlns:a16="http://schemas.microsoft.com/office/drawing/2014/main" id="{D1991139-C033-4A4E-8EBD-E0E2E9C9FC21}"/>
+              </a:ext>
+            </a:extLst>
+          </p:cNvPr>
+          <p:cNvSpPr>
+            <a:spLocks noGrp="1"/>
+          </p:cNvSpPr>
+          <p:nvPr>
+            <p:ph type="title"/>
+          </p:nvPr>
+        </p:nvSpPr>
+        <p:spPr>
+          <a:xfrm>
+            <a:off x="177282" y="136526"/>
+            <a:ext cx="11784563" cy="815196"/>
+          </a:xfrm>
+        </p:spPr>
+        <p:txBody>
+          <a:bodyPr>
+            <a:normAutofit/>
+          </a:bodyPr>
+          <a:lstStyle/>
+          <a:p>
+            <a:r>
+              <a:rPr lang="ko-KR" altLang="en-US" dirty="0">
+                <a:solidFill>
+                  <a:srgbClr val="969696"/>
+                </a:solidFill>
+                <a:effectLst>
+                  <a:outerShdw blurRad="38100" dist="38100" dir="2700000" algn="tl">
+                    <a:srgbClr val="000000">
+                      <a:alpha val="43137"/>
+                    </a:srgbClr>
+                  </a:outerShdw>
+                </a:effectLst>
+                <a:latin typeface="HY목각파임B" panose="02030600000101010101" pitchFamily="18" charset="-127"/>
+                <a:ea typeface="HY목각파임B" panose="02030600000101010101" pitchFamily="18" charset="-127"/>
+              </a:rPr>
+              <a:t>사용법 </a:t>
+            </a:r>
+            <a:r>
+              <a:rPr lang="en-US" altLang="ko-KR" dirty="0">
+                <a:solidFill>
+                  <a:srgbClr val="969696"/>
+                </a:solidFill>
+                <a:effectLst>
+                  <a:outerShdw blurRad="38100" dist="38100" dir="2700000" algn="tl">
+                    <a:srgbClr val="000000">
+                      <a:alpha val="43137"/>
+                    </a:srgbClr>
+                  </a:outerShdw>
+                </a:effectLst>
+                <a:latin typeface="HY목각파임B" panose="02030600000101010101" pitchFamily="18" charset="-127"/>
+                <a:ea typeface="HY목각파임B" panose="02030600000101010101" pitchFamily="18" charset="-127"/>
+              </a:rPr>
+              <a:t>– MNIST</a:t>
+            </a:r>
+            <a:r>
+              <a:rPr lang="ko-KR" altLang="en-US" dirty="0">
+                <a:solidFill>
+                  <a:srgbClr val="969696"/>
+                </a:solidFill>
+                <a:effectLst>
+                  <a:outerShdw blurRad="38100" dist="38100" dir="2700000" algn="tl">
+                    <a:srgbClr val="000000">
+                      <a:alpha val="43137"/>
+                    </a:srgbClr>
+                  </a:outerShdw>
+                </a:effectLst>
+                <a:latin typeface="HY목각파임B" panose="02030600000101010101" pitchFamily="18" charset="-127"/>
+                <a:ea typeface="HY목각파임B" panose="02030600000101010101" pitchFamily="18" charset="-127"/>
+              </a:rPr>
+              <a:t> 예제</a:t>
+            </a:r>
+          </a:p>
+        </p:txBody>
+      </p:sp>
+      <p:sp>
+        <p:nvSpPr>
+          <p:cNvPr id="3" name="TextBox 2">
+            <a:extLst>
+              <a:ext uri="{FF2B5EF4-FFF2-40B4-BE49-F238E27FC236}">
+                <a16:creationId xmlns:a16="http://schemas.microsoft.com/office/drawing/2014/main" id="{927FF0F9-3BC7-4394-B18D-770F37DBF77F}"/>
+              </a:ext>
+            </a:extLst>
+          </p:cNvPr>
+          <p:cNvSpPr txBox="1"/>
+          <p:nvPr/>
+        </p:nvSpPr>
+        <p:spPr>
+          <a:xfrm>
+            <a:off x="1787979" y="1218754"/>
+            <a:ext cx="10404021" cy="369332"/>
+          </a:xfrm>
+          <a:prstGeom prst="rect">
+            <a:avLst/>
+          </a:prstGeom>
+          <a:noFill/>
+        </p:spPr>
+        <p:txBody>
+          <a:bodyPr wrap="square" rtlCol="0">
+            <a:spAutoFit/>
+          </a:bodyPr>
+          <a:lstStyle/>
+          <a:p>
+            <a:r>
+              <a:rPr lang="en-US" altLang="ko-KR" dirty="0">
+                <a:latin typeface="HY목각파임B" panose="02030600000101010101" pitchFamily="18" charset="-127"/>
+                <a:ea typeface="HY목각파임B" panose="02030600000101010101" pitchFamily="18" charset="-127"/>
+              </a:rPr>
+              <a:t>https://codeonweb.com/entry/29e412c1-0c22-4526-9e41-c2e1e6528378</a:t>
+            </a:r>
+          </a:p>
+        </p:txBody>
+      </p:sp>
+      <p:sp>
+        <p:nvSpPr>
+          <p:cNvPr id="14" name="TextBox 13">
+            <a:extLst>
+              <a:ext uri="{FF2B5EF4-FFF2-40B4-BE49-F238E27FC236}">
+                <a16:creationId xmlns:a16="http://schemas.microsoft.com/office/drawing/2014/main" id="{47547204-17A9-4042-A968-F35F452ECBD2}"/>
+              </a:ext>
+            </a:extLst>
+          </p:cNvPr>
+          <p:cNvSpPr txBox="1"/>
+          <p:nvPr/>
+        </p:nvSpPr>
+        <p:spPr>
+          <a:xfrm>
+            <a:off x="477118" y="1666614"/>
+            <a:ext cx="4012637" cy="584775"/>
+          </a:xfrm>
+          <a:prstGeom prst="rect">
+            <a:avLst/>
+          </a:prstGeom>
+          <a:noFill/>
+        </p:spPr>
+        <p:txBody>
+          <a:bodyPr wrap="none" rtlCol="0">
+            <a:spAutoFit/>
+          </a:bodyPr>
+          <a:lstStyle/>
+          <a:p>
+            <a:r>
+              <a:rPr lang="en-US" altLang="ko-KR" sz="3200" b="1" dirty="0">
+                <a:latin typeface="HY목각파임B" panose="02030600000101010101" pitchFamily="18" charset="-127"/>
+                <a:ea typeface="HY목각파임B" panose="02030600000101010101" pitchFamily="18" charset="-127"/>
+              </a:rPr>
+              <a:t>MNIST </a:t>
+            </a:r>
+            <a:r>
+              <a:rPr lang="ko-KR" altLang="en-US" sz="3200" b="1" dirty="0">
+                <a:latin typeface="HY목각파임B" panose="02030600000101010101" pitchFamily="18" charset="-127"/>
+                <a:ea typeface="HY목각파임B" panose="02030600000101010101" pitchFamily="18" charset="-127"/>
+              </a:rPr>
+              <a:t>훈련 및 결과</a:t>
+            </a:r>
+          </a:p>
+        </p:txBody>
+      </p:sp>
+      <p:pic>
+        <p:nvPicPr>
+          <p:cNvPr id="5" name="그림 4">
+            <a:extLst>
+              <a:ext uri="{FF2B5EF4-FFF2-40B4-BE49-F238E27FC236}">
+                <a16:creationId xmlns:a16="http://schemas.microsoft.com/office/drawing/2014/main" id="{217AF0DB-794C-4275-99CB-A8BFA5AEBC00}"/>
+              </a:ext>
+            </a:extLst>
+          </p:cNvPr>
+          <p:cNvPicPr>
+            <a:picLocks noChangeAspect="1"/>
+          </p:cNvPicPr>
+          <p:nvPr/>
+        </p:nvPicPr>
+        <p:blipFill>
+          <a:blip r:embed="rId2"/>
+          <a:stretch>
+            <a:fillRect/>
+          </a:stretch>
+        </p:blipFill>
+        <p:spPr>
+          <a:xfrm>
+            <a:off x="611532" y="2457441"/>
+            <a:ext cx="7331144" cy="4264033"/>
+          </a:xfrm>
+          <a:prstGeom prst="rect">
+            <a:avLst/>
+          </a:prstGeom>
+        </p:spPr>
+      </p:pic>
+      <p:pic>
+        <p:nvPicPr>
+          <p:cNvPr id="6" name="그림 5">
+            <a:extLst>
+              <a:ext uri="{FF2B5EF4-FFF2-40B4-BE49-F238E27FC236}">
+                <a16:creationId xmlns:a16="http://schemas.microsoft.com/office/drawing/2014/main" id="{432CD218-DC97-4C3D-91BB-4B7B7CF32889}"/>
+              </a:ext>
+            </a:extLst>
+          </p:cNvPr>
+          <p:cNvPicPr>
+            <a:picLocks noChangeAspect="1"/>
+          </p:cNvPicPr>
+          <p:nvPr/>
+        </p:nvPicPr>
+        <p:blipFill>
+          <a:blip r:embed="rId3"/>
+          <a:stretch>
+            <a:fillRect/>
+          </a:stretch>
+        </p:blipFill>
+        <p:spPr>
+          <a:xfrm>
+            <a:off x="7702247" y="2251389"/>
+            <a:ext cx="2707212" cy="2469823"/>
+          </a:xfrm>
+          <a:prstGeom prst="round2DiagRect">
+            <a:avLst>
+              <a:gd name="adj1" fmla="val 16667"/>
+              <a:gd name="adj2" fmla="val 0"/>
+            </a:avLst>
+          </a:prstGeom>
+          <a:ln w="88900" cap="sq">
+            <a:solidFill>
+              <a:srgbClr val="FFFFFF"/>
+            </a:solidFill>
+            <a:miter lim="800000"/>
+          </a:ln>
+          <a:effectLst>
+            <a:outerShdw blurRad="254000" algn="tl" rotWithShape="0">
+              <a:srgbClr val="000000">
+                <a:alpha val="43000"/>
+              </a:srgbClr>
+            </a:outerShdw>
+          </a:effectLst>
+        </p:spPr>
+      </p:pic>
+      <p:cxnSp>
+        <p:nvCxnSpPr>
+          <p:cNvPr id="35" name="직선 화살표 연결선 34">
+            <a:extLst>
+              <a:ext uri="{FF2B5EF4-FFF2-40B4-BE49-F238E27FC236}">
+                <a16:creationId xmlns:a16="http://schemas.microsoft.com/office/drawing/2014/main" id="{D52F6DE9-98E0-4EC9-AE04-19B0409178E3}"/>
+              </a:ext>
+            </a:extLst>
+          </p:cNvPr>
+          <p:cNvCxnSpPr>
+            <a:cxnSpLocks/>
+          </p:cNvCxnSpPr>
+          <p:nvPr/>
+        </p:nvCxnSpPr>
+        <p:spPr>
+          <a:xfrm flipV="1">
+            <a:off x="9111344" y="1588085"/>
+            <a:ext cx="0" cy="583613"/>
+          </a:xfrm>
+          <a:prstGeom prst="straightConnector1">
+            <a:avLst/>
+          </a:prstGeom>
+          <a:ln w="44450">
+            <a:solidFill>
+              <a:srgbClr val="C00000">
+                <a:alpha val="64000"/>
+              </a:srgbClr>
+            </a:solidFill>
+            <a:headEnd type="none"/>
+            <a:tailEnd type="triangle" w="lg" len="lg"/>
+          </a:ln>
+        </p:spPr>
+        <p:style>
+          <a:lnRef idx="1">
+            <a:schemeClr val="accent1"/>
+          </a:lnRef>
+          <a:fillRef idx="0">
+            <a:schemeClr val="accent1"/>
+          </a:fillRef>
+          <a:effectRef idx="0">
+            <a:schemeClr val="accent1"/>
+          </a:effectRef>
+          <a:fontRef idx="minor">
+            <a:schemeClr val="tx1"/>
+          </a:fontRef>
+        </p:style>
+      </p:cxnSp>
+      <p:sp>
+        <p:nvSpPr>
+          <p:cNvPr id="16" name="TextBox 15">
+            <a:extLst>
+              <a:ext uri="{FF2B5EF4-FFF2-40B4-BE49-F238E27FC236}">
+                <a16:creationId xmlns:a16="http://schemas.microsoft.com/office/drawing/2014/main" id="{C21D2525-A865-4AC1-9B81-A0AC4CEB4E02}"/>
+              </a:ext>
+            </a:extLst>
+          </p:cNvPr>
+          <p:cNvSpPr txBox="1"/>
+          <p:nvPr/>
+        </p:nvSpPr>
+        <p:spPr>
+          <a:xfrm>
+            <a:off x="7942676" y="4990402"/>
+            <a:ext cx="4483367" cy="1200329"/>
+          </a:xfrm>
+          <a:prstGeom prst="rect">
+            <a:avLst/>
+          </a:prstGeom>
+          <a:noFill/>
+        </p:spPr>
+        <p:txBody>
+          <a:bodyPr wrap="square" rtlCol="0">
+            <a:spAutoFit/>
+          </a:bodyPr>
+          <a:lstStyle/>
+          <a:p>
+            <a:r>
+              <a:rPr lang="ko-KR" altLang="en-US" sz="2400" dirty="0">
+                <a:latin typeface="HY목각파임B" panose="02030600000101010101" pitchFamily="18" charset="-127"/>
+                <a:ea typeface="HY목각파임B" panose="02030600000101010101" pitchFamily="18" charset="-127"/>
+              </a:rPr>
+              <a:t>위의 링크에서 웹을 통해 실행할 수 있도록 제공 중</a:t>
+            </a:r>
+            <a:r>
+              <a:rPr lang="en-US" altLang="ko-KR" sz="2400" dirty="0">
+                <a:latin typeface="HY목각파임B" panose="02030600000101010101" pitchFamily="18" charset="-127"/>
+                <a:ea typeface="HY목각파임B" panose="02030600000101010101" pitchFamily="18" charset="-127"/>
+              </a:rPr>
+              <a:t>.</a:t>
+            </a:r>
+          </a:p>
+          <a:p>
+            <a:r>
+              <a:rPr lang="en-US" altLang="ko-KR" sz="2400" dirty="0">
+                <a:latin typeface="HY목각파임B" panose="02030600000101010101" pitchFamily="18" charset="-127"/>
+                <a:ea typeface="HY목각파임B" panose="02030600000101010101" pitchFamily="18" charset="-127"/>
+              </a:rPr>
+              <a:t>99.21% </a:t>
+            </a:r>
+            <a:r>
+              <a:rPr lang="ko-KR" altLang="en-US" sz="2400" dirty="0">
+                <a:latin typeface="HY목각파임B" panose="02030600000101010101" pitchFamily="18" charset="-127"/>
+                <a:ea typeface="HY목각파임B" panose="02030600000101010101" pitchFamily="18" charset="-127"/>
+              </a:rPr>
+              <a:t>의</a:t>
+            </a:r>
+            <a:r>
+              <a:rPr lang="en-US" altLang="ko-KR" sz="2400" dirty="0">
+                <a:latin typeface="HY목각파임B" panose="02030600000101010101" pitchFamily="18" charset="-127"/>
+                <a:ea typeface="HY목각파임B" panose="02030600000101010101" pitchFamily="18" charset="-127"/>
+              </a:rPr>
+              <a:t> </a:t>
+            </a:r>
+            <a:r>
+              <a:rPr lang="ko-KR" altLang="en-US" sz="2400" dirty="0">
+                <a:latin typeface="HY목각파임B" panose="02030600000101010101" pitchFamily="18" charset="-127"/>
+                <a:ea typeface="HY목각파임B" panose="02030600000101010101" pitchFamily="18" charset="-127"/>
+              </a:rPr>
+              <a:t>적중률 확인 가능</a:t>
+            </a:r>
+          </a:p>
+        </p:txBody>
+      </p:sp>
+    </p:spTree>
+    <p:extLst>
+      <p:ext uri="{BB962C8B-B14F-4D97-AF65-F5344CB8AC3E}">
+        <p14:creationId xmlns:p14="http://schemas.microsoft.com/office/powerpoint/2010/main" val="2931510610"/>
+      </p:ext>
+    </p:extLst>
+  </p:cSld>
+  <p:clrMapOvr>
+    <a:masterClrMapping/>
+  </p:clrMapOvr>
+</p:sld>
+</file>
+
+<file path=ppt/slides/slide44.xml><?xml version="1.0" encoding="utf-8"?>
+<p:sld xmlns:a="http://schemas.openxmlformats.org/drawingml/2006/main" xmlns:r="http://schemas.openxmlformats.org/officeDocument/2006/relationships" xmlns:p="http://schemas.openxmlformats.org/presentationml/2006/main">
+  <p:cSld>
+    <p:spTree>
+      <p:nvGrpSpPr>
+        <p:cNvPr id="1" name=""/>
+        <p:cNvGrpSpPr/>
+        <p:nvPr/>
+      </p:nvGrpSpPr>
+      <p:grpSpPr>
+        <a:xfrm>
+          <a:off x="0" y="0"/>
+          <a:ext cx="0" cy="0"/>
+          <a:chOff x="0" y="0"/>
+          <a:chExt cx="0" cy="0"/>
+        </a:xfrm>
+      </p:grpSpPr>
+      <p:sp>
+        <p:nvSpPr>
+          <p:cNvPr id="2" name="제목 1">
+            <a:extLst>
+              <a:ext uri="{FF2B5EF4-FFF2-40B4-BE49-F238E27FC236}">
+                <a16:creationId xmlns:a16="http://schemas.microsoft.com/office/drawing/2014/main" id="{D1991139-C033-4A4E-8EBD-E0E2E9C9FC21}"/>
+              </a:ext>
+            </a:extLst>
+          </p:cNvPr>
+          <p:cNvSpPr>
+            <a:spLocks noGrp="1"/>
+          </p:cNvSpPr>
+          <p:nvPr>
+            <p:ph type="title"/>
+          </p:nvPr>
+        </p:nvSpPr>
+        <p:spPr>
+          <a:xfrm>
+            <a:off x="177282" y="136526"/>
+            <a:ext cx="11784563" cy="815196"/>
+          </a:xfrm>
+        </p:spPr>
+        <p:txBody>
+          <a:bodyPr>
+            <a:normAutofit/>
+          </a:bodyPr>
+          <a:lstStyle/>
+          <a:p>
+            <a:r>
+              <a:rPr lang="ko-KR" altLang="en-US" dirty="0">
+                <a:solidFill>
+                  <a:srgbClr val="969696"/>
+                </a:solidFill>
+                <a:effectLst>
+                  <a:outerShdw blurRad="38100" dist="38100" dir="2700000" algn="tl">
+                    <a:srgbClr val="000000">
+                      <a:alpha val="43137"/>
+                    </a:srgbClr>
+                  </a:outerShdw>
+                </a:effectLst>
+                <a:latin typeface="HY목각파임B" panose="02030600000101010101" pitchFamily="18" charset="-127"/>
+                <a:ea typeface="HY목각파임B" panose="02030600000101010101" pitchFamily="18" charset="-127"/>
+              </a:rPr>
+              <a:t>기타</a:t>
+            </a:r>
+          </a:p>
+        </p:txBody>
+      </p:sp>
+      <p:sp>
+        <p:nvSpPr>
+          <p:cNvPr id="3" name="TextBox 2">
+            <a:extLst>
+              <a:ext uri="{FF2B5EF4-FFF2-40B4-BE49-F238E27FC236}">
+                <a16:creationId xmlns:a16="http://schemas.microsoft.com/office/drawing/2014/main" id="{2A593A95-7B6E-406A-8E3B-80F98D7F1744}"/>
+              </a:ext>
+            </a:extLst>
+          </p:cNvPr>
+          <p:cNvSpPr txBox="1"/>
+          <p:nvPr/>
+        </p:nvSpPr>
+        <p:spPr>
+          <a:xfrm>
+            <a:off x="1392194" y="2351650"/>
+            <a:ext cx="7699544" cy="461665"/>
+          </a:xfrm>
+          <a:prstGeom prst="rect">
+            <a:avLst/>
+          </a:prstGeom>
+          <a:noFill/>
+        </p:spPr>
+        <p:txBody>
+          <a:bodyPr wrap="none" rtlCol="0">
+            <a:spAutoFit/>
+          </a:bodyPr>
+          <a:lstStyle/>
+          <a:p>
+            <a:r>
+              <a:rPr lang="ko-KR" altLang="en-US" sz="2400" dirty="0">
+                <a:latin typeface="HY목각파임B" panose="02030600000101010101" pitchFamily="18" charset="-127"/>
+                <a:ea typeface="HY목각파임B" panose="02030600000101010101" pitchFamily="18" charset="-127"/>
+              </a:rPr>
+              <a:t>서적 </a:t>
+            </a:r>
+            <a:r>
+              <a:rPr lang="en-US" altLang="ko-KR" sz="2400" dirty="0">
+                <a:latin typeface="HY목각파임B" panose="02030600000101010101" pitchFamily="18" charset="-127"/>
+                <a:ea typeface="HY목각파임B" panose="02030600000101010101" pitchFamily="18" charset="-127"/>
+              </a:rPr>
+              <a:t>- [</a:t>
+            </a:r>
+            <a:r>
+              <a:rPr lang="ko-KR" altLang="en-US" sz="2400" dirty="0" err="1">
+                <a:latin typeface="HY목각파임B" panose="02030600000101010101" pitchFamily="18" charset="-127"/>
+                <a:ea typeface="HY목각파임B" panose="02030600000101010101" pitchFamily="18" charset="-127"/>
+              </a:rPr>
+              <a:t>홍룡과학출판사</a:t>
+            </a:r>
+            <a:r>
+              <a:rPr lang="en-US" altLang="ko-KR" sz="2400" dirty="0">
+                <a:latin typeface="HY목각파임B" panose="02030600000101010101" pitchFamily="18" charset="-127"/>
+                <a:ea typeface="HY목각파임B" panose="02030600000101010101" pitchFamily="18" charset="-127"/>
+              </a:rPr>
+              <a:t>] </a:t>
+            </a:r>
+            <a:r>
+              <a:rPr lang="ko-KR" altLang="en-US" sz="2400" dirty="0" err="1">
+                <a:latin typeface="HY목각파임B" panose="02030600000101010101" pitchFamily="18" charset="-127"/>
+                <a:ea typeface="HY목각파임B" panose="02030600000101010101" pitchFamily="18" charset="-127"/>
+              </a:rPr>
+              <a:t>엣지있게</a:t>
+            </a:r>
+            <a:r>
+              <a:rPr lang="ko-KR" altLang="en-US" sz="2400" dirty="0">
+                <a:latin typeface="HY목각파임B" panose="02030600000101010101" pitchFamily="18" charset="-127"/>
+                <a:ea typeface="HY목각파임B" panose="02030600000101010101" pitchFamily="18" charset="-127"/>
+              </a:rPr>
+              <a:t> 설명한 </a:t>
+            </a:r>
+            <a:r>
+              <a:rPr lang="ko-KR" altLang="en-US" sz="2400" dirty="0" err="1">
+                <a:latin typeface="HY목각파임B" panose="02030600000101010101" pitchFamily="18" charset="-127"/>
+                <a:ea typeface="HY목각파임B" panose="02030600000101010101" pitchFamily="18" charset="-127"/>
+              </a:rPr>
+              <a:t>텐서플로우</a:t>
+            </a:r>
+            <a:endParaRPr lang="ko-KR" altLang="en-US" sz="2400" dirty="0">
+              <a:latin typeface="HY목각파임B" panose="02030600000101010101" pitchFamily="18" charset="-127"/>
+              <a:ea typeface="HY목각파임B" panose="02030600000101010101" pitchFamily="18" charset="-127"/>
+            </a:endParaRPr>
+          </a:p>
+        </p:txBody>
+      </p:sp>
+      <p:sp>
+        <p:nvSpPr>
+          <p:cNvPr id="4" name="TextBox 3">
+            <a:extLst>
+              <a:ext uri="{FF2B5EF4-FFF2-40B4-BE49-F238E27FC236}">
+                <a16:creationId xmlns:a16="http://schemas.microsoft.com/office/drawing/2014/main" id="{F77F78C1-95CE-4932-A496-D7ED74F31C27}"/>
+              </a:ext>
+            </a:extLst>
+          </p:cNvPr>
+          <p:cNvSpPr txBox="1"/>
+          <p:nvPr/>
+        </p:nvSpPr>
+        <p:spPr>
+          <a:xfrm>
+            <a:off x="1028152" y="1616093"/>
+            <a:ext cx="1518364" cy="461665"/>
+          </a:xfrm>
+          <a:prstGeom prst="rect">
+            <a:avLst/>
+          </a:prstGeom>
+          <a:noFill/>
+        </p:spPr>
+        <p:txBody>
+          <a:bodyPr wrap="none" rtlCol="0">
+            <a:spAutoFit/>
+          </a:bodyPr>
+          <a:lstStyle/>
+          <a:p>
+            <a:r>
+              <a:rPr lang="ko-KR" altLang="en-US" sz="2400" dirty="0">
+                <a:latin typeface="HY목각파임B" panose="02030600000101010101" pitchFamily="18" charset="-127"/>
+                <a:ea typeface="HY목각파임B" panose="02030600000101010101" pitchFamily="18" charset="-127"/>
+              </a:rPr>
+              <a:t>참고 자료</a:t>
+            </a:r>
+          </a:p>
+        </p:txBody>
+      </p:sp>
+      <p:sp>
+        <p:nvSpPr>
+          <p:cNvPr id="5" name="직사각형 4">
+            <a:extLst>
+              <a:ext uri="{FF2B5EF4-FFF2-40B4-BE49-F238E27FC236}">
+                <a16:creationId xmlns:a16="http://schemas.microsoft.com/office/drawing/2014/main" id="{96448CF0-DFF7-4E9D-B1DC-7B2D78546038}"/>
+              </a:ext>
+            </a:extLst>
+          </p:cNvPr>
+          <p:cNvSpPr/>
+          <p:nvPr/>
+        </p:nvSpPr>
+        <p:spPr>
+          <a:xfrm>
+            <a:off x="1392194" y="3087207"/>
+            <a:ext cx="9482083" cy="461665"/>
+          </a:xfrm>
+          <a:prstGeom prst="rect">
+            <a:avLst/>
+          </a:prstGeom>
+        </p:spPr>
+        <p:txBody>
+          <a:bodyPr wrap="none">
+            <a:spAutoFit/>
+          </a:bodyPr>
+          <a:lstStyle/>
+          <a:p>
+            <a:r>
+              <a:rPr lang="en-US" altLang="ko-KR" sz="2400" dirty="0" err="1">
+                <a:latin typeface="HY목각파임B" panose="02030600000101010101" pitchFamily="18" charset="-127"/>
+                <a:ea typeface="HY목각파임B" panose="02030600000101010101" pitchFamily="18" charset="-127"/>
+              </a:rPr>
+              <a:t>TigerCow.Door</a:t>
+            </a:r>
+            <a:r>
+              <a:rPr lang="en-US" altLang="ko-KR" sz="2400" dirty="0">
+                <a:latin typeface="HY목각파임B" panose="02030600000101010101" pitchFamily="18" charset="-127"/>
+                <a:ea typeface="HY목각파임B" panose="02030600000101010101" pitchFamily="18" charset="-127"/>
+              </a:rPr>
+              <a:t> </a:t>
+            </a:r>
+            <a:r>
+              <a:rPr lang="ko-KR" altLang="en-US" sz="2400" dirty="0">
+                <a:latin typeface="HY목각파임B" panose="02030600000101010101" pitchFamily="18" charset="-127"/>
+                <a:ea typeface="HY목각파임B" panose="02030600000101010101" pitchFamily="18" charset="-127"/>
+              </a:rPr>
+              <a:t>블로그 </a:t>
+            </a:r>
+            <a:r>
+              <a:rPr lang="en-US" altLang="ko-KR" sz="2400" dirty="0">
+                <a:latin typeface="HY목각파임B" panose="02030600000101010101" pitchFamily="18" charset="-127"/>
+                <a:ea typeface="HY목각파임B" panose="02030600000101010101" pitchFamily="18" charset="-127"/>
+              </a:rPr>
+              <a:t>- </a:t>
+            </a:r>
+            <a:r>
+              <a:rPr lang="ko-KR" altLang="en-US" sz="2400" dirty="0">
+                <a:latin typeface="HY목각파임B" panose="02030600000101010101" pitchFamily="18" charset="-127"/>
+                <a:ea typeface="HY목각파임B" panose="02030600000101010101" pitchFamily="18" charset="-127"/>
+              </a:rPr>
+              <a:t>http://doorbw.tistory.com/</a:t>
+            </a:r>
+          </a:p>
+        </p:txBody>
+      </p:sp>
+      <p:sp>
+        <p:nvSpPr>
+          <p:cNvPr id="7" name="TextBox 6">
+            <a:extLst>
+              <a:ext uri="{FF2B5EF4-FFF2-40B4-BE49-F238E27FC236}">
+                <a16:creationId xmlns:a16="http://schemas.microsoft.com/office/drawing/2014/main" id="{C0DAB073-2780-4455-B7C3-2A7F911D5209}"/>
+              </a:ext>
+            </a:extLst>
+          </p:cNvPr>
+          <p:cNvSpPr txBox="1"/>
+          <p:nvPr/>
+        </p:nvSpPr>
+        <p:spPr>
+          <a:xfrm>
+            <a:off x="1152160" y="4506350"/>
+            <a:ext cx="800219" cy="461665"/>
+          </a:xfrm>
+          <a:prstGeom prst="rect">
+            <a:avLst/>
+          </a:prstGeom>
+          <a:noFill/>
+        </p:spPr>
+        <p:txBody>
+          <a:bodyPr wrap="none" rtlCol="0">
+            <a:spAutoFit/>
+          </a:bodyPr>
+          <a:lstStyle/>
+          <a:p>
+            <a:r>
+              <a:rPr lang="ko-KR" altLang="en-US" sz="2400" dirty="0">
+                <a:latin typeface="HY목각파임B" panose="02030600000101010101" pitchFamily="18" charset="-127"/>
+                <a:ea typeface="HY목각파임B" panose="02030600000101010101" pitchFamily="18" charset="-127"/>
+              </a:rPr>
+              <a:t>코드</a:t>
+            </a:r>
+          </a:p>
+        </p:txBody>
+      </p:sp>
+      <p:sp>
+        <p:nvSpPr>
+          <p:cNvPr id="8" name="TextBox 7">
+            <a:extLst>
+              <a:ext uri="{FF2B5EF4-FFF2-40B4-BE49-F238E27FC236}">
+                <a16:creationId xmlns:a16="http://schemas.microsoft.com/office/drawing/2014/main" id="{A12F8DF9-E070-4A1A-9EBB-05377114BA01}"/>
+              </a:ext>
+            </a:extLst>
+          </p:cNvPr>
+          <p:cNvSpPr txBox="1"/>
+          <p:nvPr/>
+        </p:nvSpPr>
+        <p:spPr>
+          <a:xfrm>
+            <a:off x="1552269" y="5241907"/>
+            <a:ext cx="8392041" cy="461665"/>
+          </a:xfrm>
+          <a:prstGeom prst="rect">
+            <a:avLst/>
+          </a:prstGeom>
+          <a:noFill/>
+        </p:spPr>
+        <p:txBody>
+          <a:bodyPr wrap="none" rtlCol="0">
+            <a:spAutoFit/>
+          </a:bodyPr>
+          <a:lstStyle/>
+          <a:p>
+            <a:r>
+              <a:rPr lang="en-US" altLang="ko-KR" sz="2400" dirty="0">
+                <a:latin typeface="HY목각파임B" panose="02030600000101010101" pitchFamily="18" charset="-127"/>
+                <a:ea typeface="HY목각파임B" panose="02030600000101010101" pitchFamily="18" charset="-127"/>
+              </a:rPr>
+              <a:t>https://github.com/L00G/TensorFlow-guide</a:t>
+            </a:r>
+            <a:endParaRPr lang="ko-KR" altLang="en-US" sz="2400" dirty="0">
+              <a:latin typeface="HY목각파임B" panose="02030600000101010101" pitchFamily="18" charset="-127"/>
+              <a:ea typeface="HY목각파임B" panose="02030600000101010101" pitchFamily="18" charset="-127"/>
+            </a:endParaRPr>
+          </a:p>
+        </p:txBody>
+      </p:sp>
+      <p:sp>
+        <p:nvSpPr>
+          <p:cNvPr id="9" name="슬라이드 번호 개체 틀 8">
+            <a:extLst>
+              <a:ext uri="{FF2B5EF4-FFF2-40B4-BE49-F238E27FC236}">
+                <a16:creationId xmlns:a16="http://schemas.microsoft.com/office/drawing/2014/main" id="{85217840-9C3F-4CC9-B921-4643420BBE86}"/>
+              </a:ext>
+            </a:extLst>
+          </p:cNvPr>
+          <p:cNvSpPr>
+            <a:spLocks noGrp="1"/>
+          </p:cNvSpPr>
+          <p:nvPr>
+            <p:ph type="sldNum" sz="quarter" idx="12"/>
+          </p:nvPr>
+        </p:nvSpPr>
+        <p:spPr/>
+        <p:txBody>
+          <a:bodyPr/>
+          <a:lstStyle/>
+          <a:p>
+            <a:fld id="{89CD3222-79B6-443D-98D6-073E6FB9B4BF}" type="slidenum">
+              <a:rPr lang="ko-KR" altLang="en-US" smtClean="0"/>
+              <a:t>44</a:t>
+            </a:fld>
+            <a:endParaRPr lang="ko-KR" altLang="en-US"/>
+          </a:p>
+        </p:txBody>
+      </p:sp>
+      <p:sp>
+        <p:nvSpPr>
+          <p:cNvPr id="6" name="직사각형 5">
+            <a:extLst>
+              <a:ext uri="{FF2B5EF4-FFF2-40B4-BE49-F238E27FC236}">
+                <a16:creationId xmlns:a16="http://schemas.microsoft.com/office/drawing/2014/main" id="{9DE21D7F-4A79-41BF-9932-F6F6BAAF288B}"/>
+              </a:ext>
+            </a:extLst>
+          </p:cNvPr>
+          <p:cNvSpPr/>
+          <p:nvPr/>
+        </p:nvSpPr>
+        <p:spPr>
+          <a:xfrm>
+            <a:off x="1392193" y="3770794"/>
+            <a:ext cx="10413363" cy="461665"/>
+          </a:xfrm>
+          <a:prstGeom prst="rect">
+            <a:avLst/>
+          </a:prstGeom>
+        </p:spPr>
+        <p:txBody>
+          <a:bodyPr wrap="square">
+            <a:spAutoFit/>
+          </a:bodyPr>
+          <a:lstStyle/>
+          <a:p>
+            <a:r>
+              <a:rPr lang="ko-KR" altLang="en-US" sz="2400" dirty="0">
+                <a:latin typeface="HY목각파임B" panose="02030600000101010101" pitchFamily="18" charset="-127"/>
+                <a:ea typeface="HY목각파임B" panose="02030600000101010101" pitchFamily="18" charset="-127"/>
+              </a:rPr>
+              <a:t>코딩교육 사이트 </a:t>
+            </a:r>
+            <a:r>
+              <a:rPr lang="en-US" altLang="ko-KR" sz="2400" dirty="0">
+                <a:latin typeface="HY목각파임B" panose="02030600000101010101" pitchFamily="18" charset="-127"/>
+                <a:ea typeface="HY목각파임B" panose="02030600000101010101" pitchFamily="18" charset="-127"/>
+              </a:rPr>
+              <a:t>- https://codeonweb.com</a:t>
+            </a:r>
+          </a:p>
+        </p:txBody>
+      </p:sp>
+    </p:spTree>
+    <p:extLst>
+      <p:ext uri="{BB962C8B-B14F-4D97-AF65-F5344CB8AC3E}">
+        <p14:creationId xmlns:p14="http://schemas.microsoft.com/office/powerpoint/2010/main" val="390590763"/>
+      </p:ext>
+    </p:extLst>
+  </p:cSld>
+  <p:clrMapOvr>
+    <a:masterClrMapping/>
+  </p:clrMapOvr>
+</p:sld>
+</file>
+
+<file path=ppt/slides/slide45.xml><?xml version="1.0" encoding="utf-8"?>
+<p:sld xmlns:a="http://schemas.openxmlformats.org/drawingml/2006/main" xmlns:r="http://schemas.openxmlformats.org/officeDocument/2006/relationships" xmlns:p="http://schemas.openxmlformats.org/presentationml/2006/main">
+  <p:cSld>
+    <p:spTree>
+      <p:nvGrpSpPr>
+        <p:cNvPr id="1" name=""/>
+        <p:cNvGrpSpPr/>
+        <p:nvPr/>
+      </p:nvGrpSpPr>
+      <p:grpSpPr>
+        <a:xfrm>
+          <a:off x="0" y="0"/>
+          <a:ext cx="0" cy="0"/>
+          <a:chOff x="0" y="0"/>
+          <a:chExt cx="0" cy="0"/>
+        </a:xfrm>
+      </p:grpSpPr>
+      <p:sp>
+        <p:nvSpPr>
+          <p:cNvPr id="2" name="제목 1">
+            <a:extLst>
+              <a:ext uri="{FF2B5EF4-FFF2-40B4-BE49-F238E27FC236}">
+                <a16:creationId xmlns:a16="http://schemas.microsoft.com/office/drawing/2014/main" id="{D1991139-C033-4A4E-8EBD-E0E2E9C9FC21}"/>
+              </a:ext>
+            </a:extLst>
+          </p:cNvPr>
+          <p:cNvSpPr>
+            <a:spLocks noGrp="1"/>
+          </p:cNvSpPr>
+          <p:nvPr>
+            <p:ph type="title"/>
+          </p:nvPr>
+        </p:nvSpPr>
+        <p:spPr>
+          <a:xfrm>
+            <a:off x="177282" y="136526"/>
+            <a:ext cx="11784563" cy="815196"/>
+          </a:xfrm>
+        </p:spPr>
+        <p:txBody>
+          <a:bodyPr>
+            <a:normAutofit/>
+          </a:bodyPr>
+          <a:lstStyle/>
+          <a:p>
+            <a:r>
+              <a:rPr lang="ko-KR" altLang="en-US" dirty="0">
+                <a:solidFill>
+                  <a:srgbClr val="969696"/>
+                </a:solidFill>
+                <a:effectLst>
+                  <a:outerShdw blurRad="38100" dist="38100" dir="2700000" algn="tl">
+                    <a:srgbClr val="000000">
+                      <a:alpha val="43137"/>
+                    </a:srgbClr>
+                  </a:outerShdw>
+                </a:effectLst>
+                <a:latin typeface="HY목각파임B" panose="02030600000101010101" pitchFamily="18" charset="-127"/>
+                <a:ea typeface="HY목각파임B" panose="02030600000101010101" pitchFamily="18" charset="-127"/>
+              </a:rPr>
               <a:t>마무리</a:t>
             </a:r>
             <a:r>
@@ -20835,7 +23427,7 @@
           <a:p>
             <a:fld id="{89CD3222-79B6-443D-98D6-073E6FB9B4BF}" type="slidenum">
               <a:rPr lang="ko-KR" altLang="en-US" smtClean="0"/>
-              <a:t>41</a:t>
+              <a:t>45</a:t>
             </a:fld>
             <a:endParaRPr lang="ko-KR" altLang="en-US"/>
           </a:p>
